--- a/web/dota/dota @moddota dota-lua-types学习笔记.pptx
+++ b/web/dota/dota @moddota dota-lua-types学习笔记.pptx
@@ -8,7 +8,8 @@
     <p:sldId id="256" r:id="rId2"/>
     <p:sldId id="257" r:id="rId3"/>
     <p:sldId id="259" r:id="rId4"/>
-    <p:sldId id="258" r:id="rId5"/>
+    <p:sldId id="260" r:id="rId5"/>
+    <p:sldId id="258" r:id="rId6"/>
   </p:sldIdLst>
   <p:sldSz cx="12192000" cy="6858000"/>
   <p:notesSz cx="6858000" cy="9144000"/>
@@ -107,6 +108,11 @@
       </a:defRPr>
     </a:lvl9pPr>
   </p:defaultTextStyle>
+  <p:extLst>
+    <p:ext uri="{EFAFB233-063F-42B5-8137-9DF3F51BA10A}">
+      <p15:sldGuideLst xmlns:p15="http://schemas.microsoft.com/office/powerpoint/2012/main"/>
+    </p:ext>
+  </p:extLst>
 </p:presentation>
 </file>
 
@@ -257,7 +263,7 @@
           <a:p>
             <a:fld id="{11417D39-F9CB-424D-A1F0-64EAC47930C8}" type="datetimeFigureOut">
               <a:rPr lang="zh-CN" altLang="en-US" smtClean="0"/>
-              <a:t>2023/2/7</a:t>
+              <a:t>2023/2/11</a:t>
             </a:fld>
             <a:endParaRPr lang="zh-CN" altLang="en-US"/>
           </a:p>
@@ -455,7 +461,7 @@
           <a:p>
             <a:fld id="{11417D39-F9CB-424D-A1F0-64EAC47930C8}" type="datetimeFigureOut">
               <a:rPr lang="zh-CN" altLang="en-US" smtClean="0"/>
-              <a:t>2023/2/7</a:t>
+              <a:t>2023/2/11</a:t>
             </a:fld>
             <a:endParaRPr lang="zh-CN" altLang="en-US"/>
           </a:p>
@@ -663,7 +669,7 @@
           <a:p>
             <a:fld id="{11417D39-F9CB-424D-A1F0-64EAC47930C8}" type="datetimeFigureOut">
               <a:rPr lang="zh-CN" altLang="en-US" smtClean="0"/>
-              <a:t>2023/2/7</a:t>
+              <a:t>2023/2/11</a:t>
             </a:fld>
             <a:endParaRPr lang="zh-CN" altLang="en-US"/>
           </a:p>
@@ -861,7 +867,7 @@
           <a:p>
             <a:fld id="{11417D39-F9CB-424D-A1F0-64EAC47930C8}" type="datetimeFigureOut">
               <a:rPr lang="zh-CN" altLang="en-US" smtClean="0"/>
-              <a:t>2023/2/7</a:t>
+              <a:t>2023/2/11</a:t>
             </a:fld>
             <a:endParaRPr lang="zh-CN" altLang="en-US"/>
           </a:p>
@@ -1136,7 +1142,7 @@
           <a:p>
             <a:fld id="{11417D39-F9CB-424D-A1F0-64EAC47930C8}" type="datetimeFigureOut">
               <a:rPr lang="zh-CN" altLang="en-US" smtClean="0"/>
-              <a:t>2023/2/7</a:t>
+              <a:t>2023/2/11</a:t>
             </a:fld>
             <a:endParaRPr lang="zh-CN" altLang="en-US"/>
           </a:p>
@@ -1401,7 +1407,7 @@
           <a:p>
             <a:fld id="{11417D39-F9CB-424D-A1F0-64EAC47930C8}" type="datetimeFigureOut">
               <a:rPr lang="zh-CN" altLang="en-US" smtClean="0"/>
-              <a:t>2023/2/7</a:t>
+              <a:t>2023/2/11</a:t>
             </a:fld>
             <a:endParaRPr lang="zh-CN" altLang="en-US"/>
           </a:p>
@@ -1813,7 +1819,7 @@
           <a:p>
             <a:fld id="{11417D39-F9CB-424D-A1F0-64EAC47930C8}" type="datetimeFigureOut">
               <a:rPr lang="zh-CN" altLang="en-US" smtClean="0"/>
-              <a:t>2023/2/7</a:t>
+              <a:t>2023/2/11</a:t>
             </a:fld>
             <a:endParaRPr lang="zh-CN" altLang="en-US"/>
           </a:p>
@@ -1954,7 +1960,7 @@
           <a:p>
             <a:fld id="{11417D39-F9CB-424D-A1F0-64EAC47930C8}" type="datetimeFigureOut">
               <a:rPr lang="zh-CN" altLang="en-US" smtClean="0"/>
-              <a:t>2023/2/7</a:t>
+              <a:t>2023/2/11</a:t>
             </a:fld>
             <a:endParaRPr lang="zh-CN" altLang="en-US"/>
           </a:p>
@@ -2067,7 +2073,7 @@
           <a:p>
             <a:fld id="{11417D39-F9CB-424D-A1F0-64EAC47930C8}" type="datetimeFigureOut">
               <a:rPr lang="zh-CN" altLang="en-US" smtClean="0"/>
-              <a:t>2023/2/7</a:t>
+              <a:t>2023/2/11</a:t>
             </a:fld>
             <a:endParaRPr lang="zh-CN" altLang="en-US"/>
           </a:p>
@@ -2378,7 +2384,7 @@
           <a:p>
             <a:fld id="{11417D39-F9CB-424D-A1F0-64EAC47930C8}" type="datetimeFigureOut">
               <a:rPr lang="zh-CN" altLang="en-US" smtClean="0"/>
-              <a:t>2023/2/7</a:t>
+              <a:t>2023/2/11</a:t>
             </a:fld>
             <a:endParaRPr lang="zh-CN" altLang="en-US"/>
           </a:p>
@@ -2666,7 +2672,7 @@
           <a:p>
             <a:fld id="{11417D39-F9CB-424D-A1F0-64EAC47930C8}" type="datetimeFigureOut">
               <a:rPr lang="zh-CN" altLang="en-US" smtClean="0"/>
-              <a:t>2023/2/7</a:t>
+              <a:t>2023/2/11</a:t>
             </a:fld>
             <a:endParaRPr lang="zh-CN" altLang="en-US"/>
           </a:p>
@@ -2907,7 +2913,7 @@
           <a:p>
             <a:fld id="{11417D39-F9CB-424D-A1F0-64EAC47930C8}" type="datetimeFigureOut">
               <a:rPr lang="zh-CN" altLang="en-US" smtClean="0"/>
-              <a:t>2023/2/7</a:t>
+              <a:t>2023/2/11</a:t>
             </a:fld>
             <a:endParaRPr lang="zh-CN" altLang="en-US"/>
           </a:p>
@@ -5004,6 +5010,172 @@
           <p:cNvPr id="2" name="标题 1">
             <a:extLst>
               <a:ext uri="{FF2B5EF4-FFF2-40B4-BE49-F238E27FC236}">
+                <a16:creationId xmlns:a16="http://schemas.microsoft.com/office/drawing/2014/main" id="{8AD8307E-904E-0B25-BC93-A82DCF65613C}"/>
+              </a:ext>
+            </a:extLst>
+          </p:cNvPr>
+          <p:cNvSpPr>
+            <a:spLocks noGrp="1"/>
+          </p:cNvSpPr>
+          <p:nvPr>
+            <p:ph type="title"/>
+          </p:nvPr>
+        </p:nvSpPr>
+        <p:spPr/>
+        <p:txBody>
+          <a:bodyPr/>
+          <a:lstStyle/>
+          <a:p>
+            <a:r>
+              <a:rPr lang="en-US" altLang="zh-CN" b="0" dirty="0" err="1">
+                <a:solidFill>
+                  <a:srgbClr val="4EC9B0"/>
+                </a:solidFill>
+                <a:effectLst/>
+                <a:latin typeface="Consolas" panose="020B0609020204030204" pitchFamily="49" charset="0"/>
+              </a:rPr>
+              <a:t>CBaseModelEntity</a:t>
+            </a:r>
+            <a:endParaRPr lang="zh-CN" altLang="en-US" dirty="0"/>
+          </a:p>
+        </p:txBody>
+      </p:sp>
+      <p:sp>
+        <p:nvSpPr>
+          <p:cNvPr id="3" name="内容占位符 2">
+            <a:extLst>
+              <a:ext uri="{FF2B5EF4-FFF2-40B4-BE49-F238E27FC236}">
+                <a16:creationId xmlns:a16="http://schemas.microsoft.com/office/drawing/2014/main" id="{C77273E3-4017-76F1-F682-228427A4E77E}"/>
+              </a:ext>
+            </a:extLst>
+          </p:cNvPr>
+          <p:cNvSpPr>
+            <a:spLocks noGrp="1"/>
+          </p:cNvSpPr>
+          <p:nvPr>
+            <p:ph idx="1"/>
+          </p:nvPr>
+        </p:nvSpPr>
+        <p:spPr/>
+        <p:txBody>
+          <a:bodyPr/>
+          <a:lstStyle/>
+          <a:p>
+            <a:r>
+              <a:rPr lang="en-US" altLang="zh-CN" b="0" dirty="0" err="1">
+                <a:solidFill>
+                  <a:srgbClr val="4EC9B0"/>
+                </a:solidFill>
+                <a:effectLst/>
+                <a:latin typeface="Consolas" panose="020B0609020204030204" pitchFamily="49" charset="0"/>
+              </a:rPr>
+              <a:t>CBaseAnimating</a:t>
+            </a:r>
+            <a:endParaRPr lang="en-US" altLang="zh-CN" b="0" dirty="0">
+              <a:solidFill>
+                <a:srgbClr val="D4D4D4"/>
+              </a:solidFill>
+              <a:effectLst/>
+              <a:latin typeface="Consolas" panose="020B0609020204030204" pitchFamily="49" charset="0"/>
+            </a:endParaRPr>
+          </a:p>
+          <a:p>
+            <a:r>
+              <a:rPr lang="en-US" altLang="zh-CN" b="0" dirty="0" err="1">
+                <a:solidFill>
+                  <a:srgbClr val="4EC9B0"/>
+                </a:solidFill>
+                <a:effectLst/>
+                <a:latin typeface="Consolas" panose="020B0609020204030204" pitchFamily="49" charset="0"/>
+              </a:rPr>
+              <a:t>CParticleSystem</a:t>
+            </a:r>
+            <a:endParaRPr lang="en-US" altLang="zh-CN" b="0" dirty="0">
+              <a:solidFill>
+                <a:srgbClr val="D4D4D4"/>
+              </a:solidFill>
+              <a:effectLst/>
+              <a:latin typeface="Consolas" panose="020B0609020204030204" pitchFamily="49" charset="0"/>
+            </a:endParaRPr>
+          </a:p>
+          <a:p>
+            <a:r>
+              <a:rPr lang="en-US" altLang="zh-CN" b="0" dirty="0" err="1">
+                <a:solidFill>
+                  <a:srgbClr val="4EC9B0"/>
+                </a:solidFill>
+                <a:effectLst/>
+                <a:latin typeface="Consolas" panose="020B0609020204030204" pitchFamily="49" charset="0"/>
+              </a:rPr>
+              <a:t>CPointClientUIWorldPanel</a:t>
+            </a:r>
+            <a:endParaRPr lang="en-US" altLang="zh-CN" b="0" dirty="0">
+              <a:solidFill>
+                <a:srgbClr val="D4D4D4"/>
+              </a:solidFill>
+              <a:effectLst/>
+              <a:latin typeface="Consolas" panose="020B0609020204030204" pitchFamily="49" charset="0"/>
+            </a:endParaRPr>
+          </a:p>
+          <a:p>
+            <a:r>
+              <a:rPr lang="en-US" altLang="zh-CN" b="0" dirty="0" err="1">
+                <a:solidFill>
+                  <a:srgbClr val="4EC9B0"/>
+                </a:solidFill>
+                <a:effectLst/>
+                <a:latin typeface="Consolas" panose="020B0609020204030204" pitchFamily="49" charset="0"/>
+              </a:rPr>
+              <a:t>CPointWorldText</a:t>
+            </a:r>
+            <a:endParaRPr lang="en-US" altLang="zh-CN" b="0" dirty="0">
+              <a:solidFill>
+                <a:srgbClr val="D4D4D4"/>
+              </a:solidFill>
+              <a:effectLst/>
+              <a:latin typeface="Consolas" panose="020B0609020204030204" pitchFamily="49" charset="0"/>
+            </a:endParaRPr>
+          </a:p>
+          <a:p>
+            <a:endParaRPr lang="zh-CN" altLang="en-US" dirty="0"/>
+          </a:p>
+        </p:txBody>
+      </p:sp>
+    </p:spTree>
+    <p:extLst>
+      <p:ext uri="{BB962C8B-B14F-4D97-AF65-F5344CB8AC3E}">
+        <p14:creationId xmlns:p14="http://schemas.microsoft.com/office/powerpoint/2010/main" val="969370562"/>
+      </p:ext>
+    </p:extLst>
+  </p:cSld>
+  <p:clrMapOvr>
+    <a:masterClrMapping/>
+  </p:clrMapOvr>
+</p:sld>
+</file>
+
+<file path=ppt/slides/slide5.xml><?xml version="1.0" encoding="utf-8"?>
+<p:sld xmlns:a="http://schemas.openxmlformats.org/drawingml/2006/main" xmlns:r="http://schemas.openxmlformats.org/officeDocument/2006/relationships" xmlns:p="http://schemas.openxmlformats.org/presentationml/2006/main">
+  <p:cSld>
+    <p:spTree>
+      <p:nvGrpSpPr>
+        <p:cNvPr id="1" name=""/>
+        <p:cNvGrpSpPr/>
+        <p:nvPr/>
+      </p:nvGrpSpPr>
+      <p:grpSpPr>
+        <a:xfrm>
+          <a:off x="0" y="0"/>
+          <a:ext cx="0" cy="0"/>
+          <a:chOff x="0" y="0"/>
+          <a:chExt cx="0" cy="0"/>
+        </a:xfrm>
+      </p:grpSpPr>
+      <p:sp>
+        <p:nvSpPr>
+          <p:cNvPr id="2" name="标题 1">
+            <a:extLst>
+              <a:ext uri="{FF2B5EF4-FFF2-40B4-BE49-F238E27FC236}">
                 <a16:creationId xmlns:a16="http://schemas.microsoft.com/office/drawing/2014/main" id="{B2AAB4F3-2536-1A0F-C5AA-7B7FD8651263}"/>
               </a:ext>
             </a:extLst>

--- a/web/dota/dota @moddota dota-lua-types学习笔记.pptx
+++ b/web/dota/dota @moddota dota-lua-types学习笔记.pptx
@@ -9,7 +9,10 @@
     <p:sldId id="257" r:id="rId3"/>
     <p:sldId id="259" r:id="rId4"/>
     <p:sldId id="260" r:id="rId5"/>
-    <p:sldId id="258" r:id="rId6"/>
+    <p:sldId id="261" r:id="rId6"/>
+    <p:sldId id="262" r:id="rId7"/>
+    <p:sldId id="258" r:id="rId8"/>
+    <p:sldId id="263" r:id="rId9"/>
   </p:sldIdLst>
   <p:sldSz cx="12192000" cy="6858000"/>
   <p:notesSz cx="6858000" cy="9144000"/>
@@ -5058,7 +5061,9 @@
         </p:nvSpPr>
         <p:spPr/>
         <p:txBody>
-          <a:bodyPr/>
+          <a:bodyPr>
+            <a:normAutofit fontScale="92500" lnSpcReduction="10000"/>
+          </a:bodyPr>
           <a:lstStyle/>
           <a:p>
             <a:r>
@@ -5071,6 +5076,146 @@
               </a:rPr>
               <a:t>CBaseAnimating</a:t>
             </a:r>
+            <a:endParaRPr lang="en-US" altLang="zh-CN" b="0" dirty="0">
+              <a:solidFill>
+                <a:srgbClr val="4EC9B0"/>
+              </a:solidFill>
+              <a:effectLst/>
+              <a:latin typeface="Consolas" panose="020B0609020204030204" pitchFamily="49" charset="0"/>
+            </a:endParaRPr>
+          </a:p>
+          <a:p>
+            <a:pPr lvl="1"/>
+            <a:r>
+              <a:rPr lang="en-US" altLang="zh-CN" b="0" dirty="0" err="1">
+                <a:solidFill>
+                  <a:srgbClr val="4EC9B0"/>
+                </a:solidFill>
+                <a:effectLst/>
+                <a:latin typeface="Consolas" panose="020B0609020204030204" pitchFamily="49" charset="0"/>
+              </a:rPr>
+              <a:t>CBaseFlex</a:t>
+            </a:r>
+            <a:endParaRPr lang="en-US" altLang="zh-CN" b="0" dirty="0">
+              <a:solidFill>
+                <a:srgbClr val="4EC9B0"/>
+              </a:solidFill>
+              <a:effectLst/>
+              <a:latin typeface="Consolas" panose="020B0609020204030204" pitchFamily="49" charset="0"/>
+            </a:endParaRPr>
+          </a:p>
+          <a:p>
+            <a:pPr lvl="2"/>
+            <a:r>
+              <a:rPr lang="en-US" altLang="zh-CN" b="0" dirty="0" err="1">
+                <a:solidFill>
+                  <a:srgbClr val="4EC9B0"/>
+                </a:solidFill>
+                <a:effectLst/>
+                <a:latin typeface="Consolas" panose="020B0609020204030204" pitchFamily="49" charset="0"/>
+              </a:rPr>
+              <a:t>CDOTA_BaseNPC</a:t>
+            </a:r>
+            <a:endParaRPr lang="en-US" altLang="zh-CN" b="0" dirty="0">
+              <a:solidFill>
+                <a:srgbClr val="D4D4D4"/>
+              </a:solidFill>
+              <a:effectLst/>
+              <a:latin typeface="Consolas" panose="020B0609020204030204" pitchFamily="49" charset="0"/>
+            </a:endParaRPr>
+          </a:p>
+          <a:p>
+            <a:pPr lvl="2"/>
+            <a:r>
+              <a:rPr lang="en-US" altLang="zh-CN" b="0" dirty="0" err="1">
+                <a:solidFill>
+                  <a:srgbClr val="4EC9B0"/>
+                </a:solidFill>
+                <a:effectLst/>
+                <a:latin typeface="Consolas" panose="020B0609020204030204" pitchFamily="49" charset="0"/>
+              </a:rPr>
+              <a:t>CDotaTutorialNPCBlocker</a:t>
+            </a:r>
+            <a:endParaRPr lang="en-US" altLang="zh-CN" b="0" dirty="0">
+              <a:solidFill>
+                <a:srgbClr val="D4D4D4"/>
+              </a:solidFill>
+              <a:effectLst/>
+              <a:latin typeface="Consolas" panose="020B0609020204030204" pitchFamily="49" charset="0"/>
+            </a:endParaRPr>
+          </a:p>
+          <a:p>
+            <a:pPr lvl="2"/>
+            <a:endParaRPr lang="en-US" altLang="zh-CN" b="0" dirty="0">
+              <a:solidFill>
+                <a:srgbClr val="D4D4D4"/>
+              </a:solidFill>
+              <a:effectLst/>
+              <a:latin typeface="Consolas" panose="020B0609020204030204" pitchFamily="49" charset="0"/>
+            </a:endParaRPr>
+          </a:p>
+          <a:p>
+            <a:pPr lvl="1"/>
+            <a:r>
+              <a:rPr lang="en-US" altLang="zh-CN" b="0" dirty="0" err="1">
+                <a:solidFill>
+                  <a:srgbClr val="4EC9B0"/>
+                </a:solidFill>
+                <a:effectLst/>
+                <a:latin typeface="Consolas" panose="020B0609020204030204" pitchFamily="49" charset="0"/>
+              </a:rPr>
+              <a:t>CDOTA_Item_Physical</a:t>
+            </a:r>
+            <a:endParaRPr lang="en-US" altLang="zh-CN" b="0" dirty="0">
+              <a:solidFill>
+                <a:srgbClr val="D4D4D4"/>
+              </a:solidFill>
+              <a:effectLst/>
+              <a:latin typeface="Consolas" panose="020B0609020204030204" pitchFamily="49" charset="0"/>
+            </a:endParaRPr>
+          </a:p>
+          <a:p>
+            <a:pPr lvl="1"/>
+            <a:r>
+              <a:rPr lang="en-US" altLang="zh-CN" b="0" dirty="0" err="1">
+                <a:solidFill>
+                  <a:srgbClr val="4EC9B0"/>
+                </a:solidFill>
+                <a:effectLst/>
+                <a:latin typeface="Consolas" panose="020B0609020204030204" pitchFamily="49" charset="0"/>
+              </a:rPr>
+              <a:t>CDOTAPlayerController</a:t>
+            </a:r>
+            <a:endParaRPr lang="en-US" altLang="zh-CN" b="0" dirty="0">
+              <a:solidFill>
+                <a:srgbClr val="D4D4D4"/>
+              </a:solidFill>
+              <a:effectLst/>
+              <a:latin typeface="Consolas" panose="020B0609020204030204" pitchFamily="49" charset="0"/>
+            </a:endParaRPr>
+          </a:p>
+          <a:p>
+            <a:pPr lvl="1"/>
+            <a:r>
+              <a:rPr lang="en-US" altLang="zh-CN" b="0" dirty="0" err="1">
+                <a:solidFill>
+                  <a:srgbClr val="4EC9B0"/>
+                </a:solidFill>
+                <a:effectLst/>
+                <a:latin typeface="Consolas" panose="020B0609020204030204" pitchFamily="49" charset="0"/>
+              </a:rPr>
+              <a:t>CPhysicsProp</a:t>
+            </a:r>
+            <a:endParaRPr lang="en-US" altLang="zh-CN" b="0" dirty="0">
+              <a:solidFill>
+                <a:srgbClr val="D4D4D4"/>
+              </a:solidFill>
+              <a:effectLst/>
+              <a:latin typeface="Consolas" panose="020B0609020204030204" pitchFamily="49" charset="0"/>
+            </a:endParaRPr>
+          </a:p>
+          <a:p>
+            <a:pPr lvl="1"/>
             <a:endParaRPr lang="en-US" altLang="zh-CN" b="0" dirty="0">
               <a:solidFill>
                 <a:srgbClr val="D4D4D4"/>
@@ -5176,6 +5321,547 @@
           <p:cNvPr id="2" name="标题 1">
             <a:extLst>
               <a:ext uri="{FF2B5EF4-FFF2-40B4-BE49-F238E27FC236}">
+                <a16:creationId xmlns:a16="http://schemas.microsoft.com/office/drawing/2014/main" id="{34E778FE-6AA2-7969-D498-618164012747}"/>
+              </a:ext>
+            </a:extLst>
+          </p:cNvPr>
+          <p:cNvSpPr>
+            <a:spLocks noGrp="1"/>
+          </p:cNvSpPr>
+          <p:nvPr>
+            <p:ph type="title"/>
+          </p:nvPr>
+        </p:nvSpPr>
+        <p:spPr/>
+        <p:txBody>
+          <a:bodyPr/>
+          <a:lstStyle/>
+          <a:p>
+            <a:r>
+              <a:rPr lang="en-US" altLang="zh-CN" b="0" dirty="0" err="1">
+                <a:solidFill>
+                  <a:srgbClr val="4EC9B0"/>
+                </a:solidFill>
+                <a:effectLst/>
+                <a:latin typeface="Consolas" panose="020B0609020204030204" pitchFamily="49" charset="0"/>
+              </a:rPr>
+              <a:t>CBaseTrigger</a:t>
+            </a:r>
+            <a:endParaRPr lang="zh-CN" altLang="en-US" dirty="0"/>
+          </a:p>
+        </p:txBody>
+      </p:sp>
+      <p:sp>
+        <p:nvSpPr>
+          <p:cNvPr id="3" name="内容占位符 2">
+            <a:extLst>
+              <a:ext uri="{FF2B5EF4-FFF2-40B4-BE49-F238E27FC236}">
+                <a16:creationId xmlns:a16="http://schemas.microsoft.com/office/drawing/2014/main" id="{517BF602-4238-E2ED-2B78-F6CF1096F597}"/>
+              </a:ext>
+            </a:extLst>
+          </p:cNvPr>
+          <p:cNvSpPr>
+            <a:spLocks noGrp="1"/>
+          </p:cNvSpPr>
+          <p:nvPr>
+            <p:ph idx="1"/>
+          </p:nvPr>
+        </p:nvSpPr>
+        <p:spPr/>
+        <p:txBody>
+          <a:bodyPr/>
+          <a:lstStyle/>
+          <a:p>
+            <a:r>
+              <a:rPr lang="en-US" altLang="zh-CN" b="0" dirty="0" err="1">
+                <a:solidFill>
+                  <a:srgbClr val="4EC9B0"/>
+                </a:solidFill>
+                <a:effectLst/>
+                <a:latin typeface="Consolas" panose="020B0609020204030204" pitchFamily="49" charset="0"/>
+              </a:rPr>
+              <a:t>CDOTA_ShopTrigger</a:t>
+            </a:r>
+            <a:endParaRPr lang="en-US" altLang="zh-CN" b="0" dirty="0">
+              <a:solidFill>
+                <a:srgbClr val="D4D4D4"/>
+              </a:solidFill>
+              <a:effectLst/>
+              <a:latin typeface="Consolas" panose="020B0609020204030204" pitchFamily="49" charset="0"/>
+            </a:endParaRPr>
+          </a:p>
+          <a:p>
+            <a:endParaRPr lang="zh-CN" altLang="en-US" dirty="0"/>
+          </a:p>
+        </p:txBody>
+      </p:sp>
+    </p:spTree>
+    <p:extLst>
+      <p:ext uri="{BB962C8B-B14F-4D97-AF65-F5344CB8AC3E}">
+        <p14:creationId xmlns:p14="http://schemas.microsoft.com/office/powerpoint/2010/main" val="1405815930"/>
+      </p:ext>
+    </p:extLst>
+  </p:cSld>
+  <p:clrMapOvr>
+    <a:masterClrMapping/>
+  </p:clrMapOvr>
+</p:sld>
+</file>
+
+<file path=ppt/slides/slide6.xml><?xml version="1.0" encoding="utf-8"?>
+<p:sld xmlns:a="http://schemas.openxmlformats.org/drawingml/2006/main" xmlns:r="http://schemas.openxmlformats.org/officeDocument/2006/relationships" xmlns:p="http://schemas.openxmlformats.org/presentationml/2006/main">
+  <p:cSld>
+    <p:spTree>
+      <p:nvGrpSpPr>
+        <p:cNvPr id="1" name=""/>
+        <p:cNvGrpSpPr/>
+        <p:nvPr/>
+      </p:nvGrpSpPr>
+      <p:grpSpPr>
+        <a:xfrm>
+          <a:off x="0" y="0"/>
+          <a:ext cx="0" cy="0"/>
+          <a:chOff x="0" y="0"/>
+          <a:chExt cx="0" cy="0"/>
+        </a:xfrm>
+      </p:grpSpPr>
+      <p:sp>
+        <p:nvSpPr>
+          <p:cNvPr id="2" name="标题 1">
+            <a:extLst>
+              <a:ext uri="{FF2B5EF4-FFF2-40B4-BE49-F238E27FC236}">
+                <a16:creationId xmlns:a16="http://schemas.microsoft.com/office/drawing/2014/main" id="{851A0983-3DE0-3467-F758-B36B224B4558}"/>
+              </a:ext>
+            </a:extLst>
+          </p:cNvPr>
+          <p:cNvSpPr>
+            <a:spLocks noGrp="1"/>
+          </p:cNvSpPr>
+          <p:nvPr>
+            <p:ph type="title"/>
+          </p:nvPr>
+        </p:nvSpPr>
+        <p:spPr/>
+        <p:txBody>
+          <a:bodyPr/>
+          <a:lstStyle/>
+          <a:p>
+            <a:r>
+              <a:rPr lang="en-US" altLang="zh-CN" b="0" dirty="0" err="1">
+                <a:solidFill>
+                  <a:srgbClr val="4EC9B0"/>
+                </a:solidFill>
+                <a:effectLst/>
+                <a:latin typeface="Consolas" panose="020B0609020204030204" pitchFamily="49" charset="0"/>
+              </a:rPr>
+              <a:t>CDOTABaseAbility</a:t>
+            </a:r>
+            <a:endParaRPr lang="zh-CN" altLang="en-US" dirty="0"/>
+          </a:p>
+        </p:txBody>
+      </p:sp>
+      <p:sp>
+        <p:nvSpPr>
+          <p:cNvPr id="3" name="内容占位符 2">
+            <a:extLst>
+              <a:ext uri="{FF2B5EF4-FFF2-40B4-BE49-F238E27FC236}">
+                <a16:creationId xmlns:a16="http://schemas.microsoft.com/office/drawing/2014/main" id="{6910976C-6554-755F-A87C-354E11959D06}"/>
+              </a:ext>
+            </a:extLst>
+          </p:cNvPr>
+          <p:cNvSpPr>
+            <a:spLocks noGrp="1"/>
+          </p:cNvSpPr>
+          <p:nvPr>
+            <p:ph idx="1"/>
+          </p:nvPr>
+        </p:nvSpPr>
+        <p:spPr/>
+        <p:txBody>
+          <a:bodyPr>
+            <a:normAutofit fontScale="55000" lnSpcReduction="20000"/>
+          </a:bodyPr>
+          <a:lstStyle/>
+          <a:p>
+            <a:r>
+              <a:rPr lang="en-US" altLang="zh-CN" b="0" dirty="0" err="1">
+                <a:solidFill>
+                  <a:srgbClr val="4EC9B0"/>
+                </a:solidFill>
+                <a:effectLst/>
+                <a:latin typeface="Consolas" panose="020B0609020204030204" pitchFamily="49" charset="0"/>
+              </a:rPr>
+              <a:t>CDOTA_Ability_Aghanim_Spear</a:t>
+            </a:r>
+            <a:endParaRPr lang="en-US" altLang="zh-CN" b="0" dirty="0">
+              <a:solidFill>
+                <a:srgbClr val="D4D4D4"/>
+              </a:solidFill>
+              <a:effectLst/>
+              <a:latin typeface="Consolas" panose="020B0609020204030204" pitchFamily="49" charset="0"/>
+            </a:endParaRPr>
+          </a:p>
+          <a:p>
+            <a:r>
+              <a:rPr lang="en-US" altLang="zh-CN" b="0" dirty="0" err="1">
+                <a:solidFill>
+                  <a:srgbClr val="4EC9B0"/>
+                </a:solidFill>
+                <a:effectLst/>
+                <a:latin typeface="Consolas" panose="020B0609020204030204" pitchFamily="49" charset="0"/>
+              </a:rPr>
+              <a:t>CDOTA_Ability_Animation_Attack</a:t>
+            </a:r>
+            <a:endParaRPr lang="en-US" altLang="zh-CN" b="0" dirty="0">
+              <a:solidFill>
+                <a:srgbClr val="D4D4D4"/>
+              </a:solidFill>
+              <a:effectLst/>
+              <a:latin typeface="Consolas" panose="020B0609020204030204" pitchFamily="49" charset="0"/>
+            </a:endParaRPr>
+          </a:p>
+          <a:p>
+            <a:r>
+              <a:rPr lang="en-US" altLang="zh-CN" b="0" dirty="0" err="1">
+                <a:solidFill>
+                  <a:srgbClr val="4EC9B0"/>
+                </a:solidFill>
+                <a:effectLst/>
+                <a:latin typeface="Consolas" panose="020B0609020204030204" pitchFamily="49" charset="0"/>
+              </a:rPr>
+              <a:t>CDOTA_Ability_Animation_TailSpin</a:t>
+            </a:r>
+            <a:endParaRPr lang="en-US" altLang="zh-CN" b="0" dirty="0">
+              <a:solidFill>
+                <a:srgbClr val="D4D4D4"/>
+              </a:solidFill>
+              <a:effectLst/>
+              <a:latin typeface="Consolas" panose="020B0609020204030204" pitchFamily="49" charset="0"/>
+            </a:endParaRPr>
+          </a:p>
+          <a:p>
+            <a:r>
+              <a:rPr lang="en-US" altLang="zh-CN" b="0" dirty="0" err="1">
+                <a:solidFill>
+                  <a:srgbClr val="4EC9B0"/>
+                </a:solidFill>
+                <a:effectLst/>
+                <a:latin typeface="Consolas" panose="020B0609020204030204" pitchFamily="49" charset="0"/>
+              </a:rPr>
+              <a:t>CDOTA_Ability_DataDriven</a:t>
+            </a:r>
+            <a:endParaRPr lang="en-US" altLang="zh-CN" b="0" dirty="0">
+              <a:solidFill>
+                <a:srgbClr val="D4D4D4"/>
+              </a:solidFill>
+              <a:effectLst/>
+              <a:latin typeface="Consolas" panose="020B0609020204030204" pitchFamily="49" charset="0"/>
+            </a:endParaRPr>
+          </a:p>
+          <a:p>
+            <a:r>
+              <a:rPr lang="en-US" altLang="zh-CN" b="0" dirty="0" err="1">
+                <a:solidFill>
+                  <a:srgbClr val="4EC9B0"/>
+                </a:solidFill>
+                <a:effectLst/>
+                <a:latin typeface="Consolas" panose="020B0609020204030204" pitchFamily="49" charset="0"/>
+              </a:rPr>
+              <a:t>CDOTA_Ability_Lua</a:t>
+            </a:r>
+            <a:endParaRPr lang="en-US" altLang="zh-CN" b="0" dirty="0">
+              <a:solidFill>
+                <a:srgbClr val="4EC9B0"/>
+              </a:solidFill>
+              <a:effectLst/>
+              <a:latin typeface="Consolas" panose="020B0609020204030204" pitchFamily="49" charset="0"/>
+            </a:endParaRPr>
+          </a:p>
+          <a:p>
+            <a:pPr lvl="1"/>
+            <a:r>
+              <a:rPr lang="en-US" altLang="zh-CN" b="0" dirty="0" err="1">
+                <a:solidFill>
+                  <a:srgbClr val="4EC9B0"/>
+                </a:solidFill>
+                <a:effectLst/>
+                <a:latin typeface="Consolas" panose="020B0609020204030204" pitchFamily="49" charset="0"/>
+              </a:rPr>
+              <a:t>BaseAbility</a:t>
+            </a:r>
+            <a:endParaRPr lang="en-US" altLang="zh-CN" b="0" dirty="0">
+              <a:solidFill>
+                <a:srgbClr val="D4D4D4"/>
+              </a:solidFill>
+              <a:effectLst/>
+              <a:latin typeface="Consolas" panose="020B0609020204030204" pitchFamily="49" charset="0"/>
+            </a:endParaRPr>
+          </a:p>
+          <a:p>
+            <a:pPr lvl="1"/>
+            <a:endParaRPr lang="en-US" altLang="zh-CN" b="0" dirty="0">
+              <a:solidFill>
+                <a:srgbClr val="D4D4D4"/>
+              </a:solidFill>
+              <a:effectLst/>
+              <a:latin typeface="Consolas" panose="020B0609020204030204" pitchFamily="49" charset="0"/>
+            </a:endParaRPr>
+          </a:p>
+          <a:p>
+            <a:r>
+              <a:rPr lang="en-US" altLang="zh-CN" b="0" dirty="0" err="1">
+                <a:solidFill>
+                  <a:srgbClr val="4EC9B0"/>
+                </a:solidFill>
+                <a:effectLst/>
+                <a:latin typeface="Consolas" panose="020B0609020204030204" pitchFamily="49" charset="0"/>
+              </a:rPr>
+              <a:t>CDOTA_Ability_Nian_Dive</a:t>
+            </a:r>
+            <a:endParaRPr lang="en-US" altLang="zh-CN" b="0" dirty="0">
+              <a:solidFill>
+                <a:srgbClr val="D4D4D4"/>
+              </a:solidFill>
+              <a:effectLst/>
+              <a:latin typeface="Consolas" panose="020B0609020204030204" pitchFamily="49" charset="0"/>
+            </a:endParaRPr>
+          </a:p>
+          <a:p>
+            <a:r>
+              <a:rPr lang="en-US" altLang="zh-CN" b="0" dirty="0" err="1">
+                <a:solidFill>
+                  <a:srgbClr val="4EC9B0"/>
+                </a:solidFill>
+                <a:effectLst/>
+                <a:latin typeface="Consolas" panose="020B0609020204030204" pitchFamily="49" charset="0"/>
+              </a:rPr>
+              <a:t>CDOTA_Ability_Nian_Leap</a:t>
+            </a:r>
+            <a:endParaRPr lang="en-US" altLang="zh-CN" b="0" dirty="0">
+              <a:solidFill>
+                <a:srgbClr val="D4D4D4"/>
+              </a:solidFill>
+              <a:effectLst/>
+              <a:latin typeface="Consolas" panose="020B0609020204030204" pitchFamily="49" charset="0"/>
+            </a:endParaRPr>
+          </a:p>
+          <a:p>
+            <a:r>
+              <a:rPr lang="en-US" altLang="zh-CN" b="0" dirty="0" err="1">
+                <a:solidFill>
+                  <a:srgbClr val="4EC9B0"/>
+                </a:solidFill>
+                <a:effectLst/>
+                <a:latin typeface="Consolas" panose="020B0609020204030204" pitchFamily="49" charset="0"/>
+              </a:rPr>
+              <a:t>CDOTA_Ability_Nian_Roar</a:t>
+            </a:r>
+            <a:endParaRPr lang="en-US" altLang="zh-CN" b="0" dirty="0">
+              <a:solidFill>
+                <a:srgbClr val="D4D4D4"/>
+              </a:solidFill>
+              <a:effectLst/>
+              <a:latin typeface="Consolas" panose="020B0609020204030204" pitchFamily="49" charset="0"/>
+            </a:endParaRPr>
+          </a:p>
+          <a:p>
+            <a:r>
+              <a:rPr lang="en-US" altLang="zh-CN" b="0" dirty="0" err="1">
+                <a:solidFill>
+                  <a:srgbClr val="4EC9B0"/>
+                </a:solidFill>
+                <a:effectLst/>
+                <a:latin typeface="Consolas" panose="020B0609020204030204" pitchFamily="49" charset="0"/>
+              </a:rPr>
+              <a:t>CDOTA_AghsFort_Ability_ArcWardenBoss_TempestDouble</a:t>
+            </a:r>
+            <a:endParaRPr lang="en-US" altLang="zh-CN" b="0" dirty="0">
+              <a:solidFill>
+                <a:srgbClr val="D4D4D4"/>
+              </a:solidFill>
+              <a:effectLst/>
+              <a:latin typeface="Consolas" panose="020B0609020204030204" pitchFamily="49" charset="0"/>
+            </a:endParaRPr>
+          </a:p>
+          <a:p>
+            <a:r>
+              <a:rPr lang="en-US" altLang="zh-CN" b="0" dirty="0" err="1">
+                <a:solidFill>
+                  <a:srgbClr val="4EC9B0"/>
+                </a:solidFill>
+                <a:effectLst/>
+                <a:latin typeface="Consolas" panose="020B0609020204030204" pitchFamily="49" charset="0"/>
+              </a:rPr>
+              <a:t>CDOTA_Item</a:t>
+            </a:r>
+            <a:endParaRPr lang="en-US" altLang="zh-CN" b="0" dirty="0">
+              <a:solidFill>
+                <a:srgbClr val="4EC9B0"/>
+              </a:solidFill>
+              <a:effectLst/>
+              <a:latin typeface="Consolas" panose="020B0609020204030204" pitchFamily="49" charset="0"/>
+            </a:endParaRPr>
+          </a:p>
+          <a:p>
+            <a:pPr lvl="1"/>
+            <a:r>
+              <a:rPr lang="en-US" altLang="zh-CN" b="0" dirty="0" err="1">
+                <a:solidFill>
+                  <a:srgbClr val="4EC9B0"/>
+                </a:solidFill>
+                <a:effectLst/>
+                <a:latin typeface="Consolas" panose="020B0609020204030204" pitchFamily="49" charset="0"/>
+              </a:rPr>
+              <a:t>CDOTA_Item_BagOfGold</a:t>
+            </a:r>
+            <a:endParaRPr lang="en-US" altLang="zh-CN" b="0" dirty="0">
+              <a:solidFill>
+                <a:srgbClr val="D4D4D4"/>
+              </a:solidFill>
+              <a:effectLst/>
+              <a:latin typeface="Consolas" panose="020B0609020204030204" pitchFamily="49" charset="0"/>
+            </a:endParaRPr>
+          </a:p>
+          <a:p>
+            <a:pPr lvl="1"/>
+            <a:r>
+              <a:rPr lang="en-US" altLang="zh-CN" b="0" dirty="0" err="1">
+                <a:solidFill>
+                  <a:srgbClr val="4EC9B0"/>
+                </a:solidFill>
+                <a:effectLst/>
+                <a:latin typeface="Consolas" panose="020B0609020204030204" pitchFamily="49" charset="0"/>
+              </a:rPr>
+              <a:t>CDOTA_Item_DataDriven</a:t>
+            </a:r>
+            <a:endParaRPr lang="en-US" altLang="zh-CN" b="0" dirty="0">
+              <a:solidFill>
+                <a:srgbClr val="D4D4D4"/>
+              </a:solidFill>
+              <a:effectLst/>
+              <a:latin typeface="Consolas" panose="020B0609020204030204" pitchFamily="49" charset="0"/>
+            </a:endParaRPr>
+          </a:p>
+          <a:p>
+            <a:pPr lvl="1"/>
+            <a:r>
+              <a:rPr lang="en-US" altLang="zh-CN" b="0" dirty="0" err="1">
+                <a:solidFill>
+                  <a:srgbClr val="4EC9B0"/>
+                </a:solidFill>
+                <a:effectLst/>
+                <a:latin typeface="Consolas" panose="020B0609020204030204" pitchFamily="49" charset="0"/>
+              </a:rPr>
+              <a:t>CDOTA_Item_EmptyBottle</a:t>
+            </a:r>
+            <a:endParaRPr lang="en-US" altLang="zh-CN" b="0" dirty="0">
+              <a:solidFill>
+                <a:srgbClr val="D4D4D4"/>
+              </a:solidFill>
+              <a:effectLst/>
+              <a:latin typeface="Consolas" panose="020B0609020204030204" pitchFamily="49" charset="0"/>
+            </a:endParaRPr>
+          </a:p>
+          <a:p>
+            <a:pPr lvl="1"/>
+            <a:r>
+              <a:rPr lang="en-US" altLang="zh-CN" b="0" dirty="0" err="1">
+                <a:solidFill>
+                  <a:srgbClr val="4EC9B0"/>
+                </a:solidFill>
+                <a:effectLst/>
+                <a:latin typeface="Consolas" panose="020B0609020204030204" pitchFamily="49" charset="0"/>
+              </a:rPr>
+              <a:t>CDOTA_Item_Lua</a:t>
+            </a:r>
+            <a:endParaRPr lang="en-US" altLang="zh-CN" b="0" dirty="0">
+              <a:solidFill>
+                <a:srgbClr val="4EC9B0"/>
+              </a:solidFill>
+              <a:effectLst/>
+              <a:latin typeface="Consolas" panose="020B0609020204030204" pitchFamily="49" charset="0"/>
+            </a:endParaRPr>
+          </a:p>
+          <a:p>
+            <a:pPr lvl="2"/>
+            <a:r>
+              <a:rPr lang="en-US" altLang="zh-CN" b="0" dirty="0" err="1">
+                <a:solidFill>
+                  <a:srgbClr val="4EC9B0"/>
+                </a:solidFill>
+                <a:effectLst/>
+                <a:latin typeface="Consolas" panose="020B0609020204030204" pitchFamily="49" charset="0"/>
+              </a:rPr>
+              <a:t>BaseItem</a:t>
+            </a:r>
+            <a:endParaRPr lang="en-US" altLang="zh-CN" b="0" dirty="0">
+              <a:solidFill>
+                <a:srgbClr val="D4D4D4"/>
+              </a:solidFill>
+              <a:effectLst/>
+              <a:latin typeface="Consolas" panose="020B0609020204030204" pitchFamily="49" charset="0"/>
+            </a:endParaRPr>
+          </a:p>
+          <a:p>
+            <a:pPr lvl="2"/>
+            <a:endParaRPr lang="en-US" altLang="zh-CN" b="0" dirty="0">
+              <a:solidFill>
+                <a:srgbClr val="D4D4D4"/>
+              </a:solidFill>
+              <a:effectLst/>
+              <a:latin typeface="Consolas" panose="020B0609020204030204" pitchFamily="49" charset="0"/>
+            </a:endParaRPr>
+          </a:p>
+          <a:p>
+            <a:pPr lvl="1"/>
+            <a:endParaRPr lang="en-US" altLang="zh-CN" b="0" dirty="0">
+              <a:solidFill>
+                <a:srgbClr val="D4D4D4"/>
+              </a:solidFill>
+              <a:effectLst/>
+              <a:latin typeface="Consolas" panose="020B0609020204030204" pitchFamily="49" charset="0"/>
+            </a:endParaRPr>
+          </a:p>
+          <a:p>
+            <a:endParaRPr lang="zh-CN" altLang="en-US" dirty="0"/>
+          </a:p>
+        </p:txBody>
+      </p:sp>
+    </p:spTree>
+    <p:extLst>
+      <p:ext uri="{BB962C8B-B14F-4D97-AF65-F5344CB8AC3E}">
+        <p14:creationId xmlns:p14="http://schemas.microsoft.com/office/powerpoint/2010/main" val="118605947"/>
+      </p:ext>
+    </p:extLst>
+  </p:cSld>
+  <p:clrMapOvr>
+    <a:masterClrMapping/>
+  </p:clrMapOvr>
+</p:sld>
+</file>
+
+<file path=ppt/slides/slide7.xml><?xml version="1.0" encoding="utf-8"?>
+<p:sld xmlns:a="http://schemas.openxmlformats.org/drawingml/2006/main" xmlns:r="http://schemas.openxmlformats.org/officeDocument/2006/relationships" xmlns:p="http://schemas.openxmlformats.org/presentationml/2006/main">
+  <p:cSld>
+    <p:spTree>
+      <p:nvGrpSpPr>
+        <p:cNvPr id="1" name=""/>
+        <p:cNvGrpSpPr/>
+        <p:nvPr/>
+      </p:nvGrpSpPr>
+      <p:grpSpPr>
+        <a:xfrm>
+          <a:off x="0" y="0"/>
+          <a:ext cx="0" cy="0"/>
+          <a:chOff x="0" y="0"/>
+          <a:chExt cx="0" cy="0"/>
+        </a:xfrm>
+      </p:grpSpPr>
+      <p:sp>
+        <p:nvSpPr>
+          <p:cNvPr id="2" name="标题 1">
+            <a:extLst>
+              <a:ext uri="{FF2B5EF4-FFF2-40B4-BE49-F238E27FC236}">
                 <a16:creationId xmlns:a16="http://schemas.microsoft.com/office/drawing/2014/main" id="{B2AAB4F3-2536-1A0F-C5AA-7B7FD8651263}"/>
               </a:ext>
             </a:extLst>
@@ -5588,6 +6274,279 @@
     <p:extLst>
       <p:ext uri="{BB962C8B-B14F-4D97-AF65-F5344CB8AC3E}">
         <p14:creationId xmlns:p14="http://schemas.microsoft.com/office/powerpoint/2010/main" val="2645886099"/>
+      </p:ext>
+    </p:extLst>
+  </p:cSld>
+  <p:clrMapOvr>
+    <a:masterClrMapping/>
+  </p:clrMapOvr>
+</p:sld>
+</file>
+
+<file path=ppt/slides/slide8.xml><?xml version="1.0" encoding="utf-8"?>
+<p:sld xmlns:a="http://schemas.openxmlformats.org/drawingml/2006/main" xmlns:r="http://schemas.openxmlformats.org/officeDocument/2006/relationships" xmlns:p="http://schemas.openxmlformats.org/presentationml/2006/main">
+  <p:cSld>
+    <p:spTree>
+      <p:nvGrpSpPr>
+        <p:cNvPr id="1" name=""/>
+        <p:cNvGrpSpPr/>
+        <p:nvPr/>
+      </p:nvGrpSpPr>
+      <p:grpSpPr>
+        <a:xfrm>
+          <a:off x="0" y="0"/>
+          <a:ext cx="0" cy="0"/>
+          <a:chOff x="0" y="0"/>
+          <a:chExt cx="0" cy="0"/>
+        </a:xfrm>
+      </p:grpSpPr>
+      <p:sp>
+        <p:nvSpPr>
+          <p:cNvPr id="2" name="标题 1">
+            <a:extLst>
+              <a:ext uri="{FF2B5EF4-FFF2-40B4-BE49-F238E27FC236}">
+                <a16:creationId xmlns:a16="http://schemas.microsoft.com/office/drawing/2014/main" id="{819A6277-F2EA-8267-B1AB-AC5341487281}"/>
+              </a:ext>
+            </a:extLst>
+          </p:cNvPr>
+          <p:cNvSpPr>
+            <a:spLocks noGrp="1"/>
+          </p:cNvSpPr>
+          <p:nvPr>
+            <p:ph type="title"/>
+          </p:nvPr>
+        </p:nvSpPr>
+        <p:spPr/>
+        <p:txBody>
+          <a:bodyPr/>
+          <a:lstStyle/>
+          <a:p>
+            <a:r>
+              <a:rPr lang="en-US" altLang="zh-CN" b="0" dirty="0" err="1">
+                <a:solidFill>
+                  <a:srgbClr val="4EC9B0"/>
+                </a:solidFill>
+                <a:effectLst/>
+                <a:latin typeface="Consolas" panose="020B0609020204030204" pitchFamily="49" charset="0"/>
+              </a:rPr>
+              <a:t>CDOTA_Buff</a:t>
+            </a:r>
+            <a:endParaRPr lang="zh-CN" altLang="en-US" dirty="0"/>
+          </a:p>
+        </p:txBody>
+      </p:sp>
+      <p:sp>
+        <p:nvSpPr>
+          <p:cNvPr id="3" name="内容占位符 2">
+            <a:extLst>
+              <a:ext uri="{FF2B5EF4-FFF2-40B4-BE49-F238E27FC236}">
+                <a16:creationId xmlns:a16="http://schemas.microsoft.com/office/drawing/2014/main" id="{A8963DA5-B7D5-7A69-C6E2-BBA7833CE49D}"/>
+              </a:ext>
+            </a:extLst>
+          </p:cNvPr>
+          <p:cNvSpPr>
+            <a:spLocks noGrp="1"/>
+          </p:cNvSpPr>
+          <p:nvPr>
+            <p:ph idx="1"/>
+          </p:nvPr>
+        </p:nvSpPr>
+        <p:spPr/>
+        <p:txBody>
+          <a:bodyPr/>
+          <a:lstStyle/>
+          <a:p>
+            <a:r>
+              <a:rPr lang="en-US" altLang="zh-CN" b="0" dirty="0" err="1">
+                <a:solidFill>
+                  <a:srgbClr val="4EC9B0"/>
+                </a:solidFill>
+                <a:effectLst/>
+                <a:latin typeface="Consolas" panose="020B0609020204030204" pitchFamily="49" charset="0"/>
+              </a:rPr>
+              <a:t>CDOTA_Modifier_Lua</a:t>
+            </a:r>
+            <a:endParaRPr lang="en-US" altLang="zh-CN" b="0" dirty="0">
+              <a:solidFill>
+                <a:srgbClr val="D4D4D4"/>
+              </a:solidFill>
+              <a:effectLst/>
+              <a:latin typeface="Consolas" panose="020B0609020204030204" pitchFamily="49" charset="0"/>
+            </a:endParaRPr>
+          </a:p>
+          <a:p>
+            <a:pPr lvl="1"/>
+            <a:r>
+              <a:rPr lang="fr-FR" altLang="zh-CN" b="0" dirty="0">
+                <a:solidFill>
+                  <a:srgbClr val="4EC9B0"/>
+                </a:solidFill>
+                <a:effectLst/>
+                <a:latin typeface="Consolas" panose="020B0609020204030204" pitchFamily="49" charset="0"/>
+              </a:rPr>
+              <a:t>CDOTA_Modifier_Lua_Horizontal_Motion</a:t>
+            </a:r>
+          </a:p>
+          <a:p>
+            <a:pPr lvl="2"/>
+            <a:r>
+              <a:rPr lang="en-US" altLang="zh-CN" b="0" dirty="0" err="1">
+                <a:solidFill>
+                  <a:srgbClr val="4EC9B0"/>
+                </a:solidFill>
+                <a:effectLst/>
+                <a:latin typeface="Consolas" panose="020B0609020204030204" pitchFamily="49" charset="0"/>
+              </a:rPr>
+              <a:t>BaseModifierMotionHorizontal</a:t>
+            </a:r>
+            <a:endParaRPr lang="en-US" altLang="zh-CN" b="0" dirty="0">
+              <a:solidFill>
+                <a:srgbClr val="D4D4D4"/>
+              </a:solidFill>
+              <a:effectLst/>
+              <a:latin typeface="Consolas" panose="020B0609020204030204" pitchFamily="49" charset="0"/>
+            </a:endParaRPr>
+          </a:p>
+          <a:p>
+            <a:pPr lvl="2"/>
+            <a:endParaRPr lang="fr-FR" altLang="zh-CN" b="0" dirty="0">
+              <a:solidFill>
+                <a:srgbClr val="D4D4D4"/>
+              </a:solidFill>
+              <a:effectLst/>
+              <a:latin typeface="Consolas" panose="020B0609020204030204" pitchFamily="49" charset="0"/>
+            </a:endParaRPr>
+          </a:p>
+          <a:p>
+            <a:pPr lvl="1"/>
+            <a:r>
+              <a:rPr lang="en-US" altLang="zh-CN" b="0" dirty="0" err="1">
+                <a:solidFill>
+                  <a:srgbClr val="4EC9B0"/>
+                </a:solidFill>
+                <a:effectLst/>
+                <a:latin typeface="Consolas" panose="020B0609020204030204" pitchFamily="49" charset="0"/>
+              </a:rPr>
+              <a:t>CDOTA_Modifier_Lua_Motion_Both</a:t>
+            </a:r>
+            <a:endParaRPr lang="en-US" altLang="zh-CN" b="0" dirty="0">
+              <a:solidFill>
+                <a:srgbClr val="4EC9B0"/>
+              </a:solidFill>
+              <a:effectLst/>
+              <a:latin typeface="Consolas" panose="020B0609020204030204" pitchFamily="49" charset="0"/>
+            </a:endParaRPr>
+          </a:p>
+          <a:p>
+            <a:pPr lvl="2"/>
+            <a:r>
+              <a:rPr lang="en-US" altLang="zh-CN" b="0" dirty="0" err="1">
+                <a:solidFill>
+                  <a:srgbClr val="4EC9B0"/>
+                </a:solidFill>
+                <a:effectLst/>
+                <a:latin typeface="Consolas" panose="020B0609020204030204" pitchFamily="49" charset="0"/>
+              </a:rPr>
+              <a:t>BaseModifierMotionBoth</a:t>
+            </a:r>
+            <a:endParaRPr lang="en-US" altLang="zh-CN" b="0" dirty="0">
+              <a:solidFill>
+                <a:srgbClr val="D4D4D4"/>
+              </a:solidFill>
+              <a:effectLst/>
+              <a:latin typeface="Consolas" panose="020B0609020204030204" pitchFamily="49" charset="0"/>
+            </a:endParaRPr>
+          </a:p>
+          <a:p>
+            <a:pPr lvl="2"/>
+            <a:endParaRPr lang="en-US" altLang="zh-CN" b="0" dirty="0">
+              <a:solidFill>
+                <a:srgbClr val="D4D4D4"/>
+              </a:solidFill>
+              <a:effectLst/>
+              <a:latin typeface="Consolas" panose="020B0609020204030204" pitchFamily="49" charset="0"/>
+            </a:endParaRPr>
+          </a:p>
+          <a:p>
+            <a:pPr lvl="1"/>
+            <a:r>
+              <a:rPr lang="en-US" altLang="zh-CN" b="0" dirty="0" err="1">
+                <a:solidFill>
+                  <a:srgbClr val="4EC9B0"/>
+                </a:solidFill>
+                <a:effectLst/>
+                <a:latin typeface="Consolas" panose="020B0609020204030204" pitchFamily="49" charset="0"/>
+              </a:rPr>
+              <a:t>CDOTA_Modifier_Lua_Vertical_Motion</a:t>
+            </a:r>
+            <a:endParaRPr lang="en-US" altLang="zh-CN" b="0" dirty="0">
+              <a:solidFill>
+                <a:srgbClr val="4EC9B0"/>
+              </a:solidFill>
+              <a:effectLst/>
+              <a:latin typeface="Consolas" panose="020B0609020204030204" pitchFamily="49" charset="0"/>
+            </a:endParaRPr>
+          </a:p>
+          <a:p>
+            <a:pPr lvl="2"/>
+            <a:r>
+              <a:rPr lang="en-US" altLang="zh-CN" b="0" dirty="0" err="1">
+                <a:solidFill>
+                  <a:srgbClr val="4EC9B0"/>
+                </a:solidFill>
+                <a:effectLst/>
+                <a:latin typeface="Consolas" panose="020B0609020204030204" pitchFamily="49" charset="0"/>
+              </a:rPr>
+              <a:t>BaseModifierMotionVertical</a:t>
+            </a:r>
+            <a:endParaRPr lang="en-US" altLang="zh-CN" b="0" dirty="0">
+              <a:solidFill>
+                <a:srgbClr val="D4D4D4"/>
+              </a:solidFill>
+              <a:effectLst/>
+              <a:latin typeface="Consolas" panose="020B0609020204030204" pitchFamily="49" charset="0"/>
+            </a:endParaRPr>
+          </a:p>
+          <a:p>
+            <a:pPr lvl="2"/>
+            <a:endParaRPr lang="en-US" altLang="zh-CN" b="0" dirty="0">
+              <a:solidFill>
+                <a:srgbClr val="D4D4D4"/>
+              </a:solidFill>
+              <a:effectLst/>
+              <a:latin typeface="Consolas" panose="020B0609020204030204" pitchFamily="49" charset="0"/>
+            </a:endParaRPr>
+          </a:p>
+          <a:p>
+            <a:pPr lvl="1"/>
+            <a:r>
+              <a:rPr lang="en-US" altLang="zh-CN" b="0" dirty="0" err="1">
+                <a:solidFill>
+                  <a:srgbClr val="4EC9B0"/>
+                </a:solidFill>
+                <a:effectLst/>
+                <a:latin typeface="Consolas" panose="020B0609020204030204" pitchFamily="49" charset="0"/>
+              </a:rPr>
+              <a:t>BaseModifier</a:t>
+            </a:r>
+            <a:endParaRPr lang="en-US" altLang="zh-CN" b="0" dirty="0">
+              <a:solidFill>
+                <a:srgbClr val="D4D4D4"/>
+              </a:solidFill>
+              <a:effectLst/>
+              <a:latin typeface="Consolas" panose="020B0609020204030204" pitchFamily="49" charset="0"/>
+            </a:endParaRPr>
+          </a:p>
+          <a:p>
+            <a:pPr lvl="1"/>
+            <a:endParaRPr lang="zh-CN" altLang="en-US" dirty="0"/>
+          </a:p>
+        </p:txBody>
+      </p:sp>
+    </p:spTree>
+    <p:extLst>
+      <p:ext uri="{BB962C8B-B14F-4D97-AF65-F5344CB8AC3E}">
+        <p14:creationId xmlns:p14="http://schemas.microsoft.com/office/powerpoint/2010/main" val="1689571984"/>
       </p:ext>
     </p:extLst>
   </p:cSld>

--- a/web/dota/dota @moddota dota-lua-types学习笔记.pptx
+++ b/web/dota/dota @moddota dota-lua-types学习笔记.pptx
@@ -6,13 +6,14 @@
   </p:sldMasterIdLst>
   <p:sldIdLst>
     <p:sldId id="256" r:id="rId2"/>
-    <p:sldId id="257" r:id="rId3"/>
-    <p:sldId id="259" r:id="rId4"/>
-    <p:sldId id="260" r:id="rId5"/>
-    <p:sldId id="261" r:id="rId6"/>
-    <p:sldId id="262" r:id="rId7"/>
-    <p:sldId id="258" r:id="rId8"/>
+    <p:sldId id="264" r:id="rId3"/>
+    <p:sldId id="257" r:id="rId4"/>
+    <p:sldId id="259" r:id="rId5"/>
+    <p:sldId id="260" r:id="rId6"/>
+    <p:sldId id="261" r:id="rId7"/>
+    <p:sldId id="262" r:id="rId8"/>
     <p:sldId id="263" r:id="rId9"/>
+    <p:sldId id="258" r:id="rId10"/>
   </p:sldIdLst>
   <p:sldSz cx="12192000" cy="6858000"/>
   <p:notesSz cx="6858000" cy="9144000"/>
@@ -3449,6 +3450,155 @@
           <p:cNvPr id="2" name="标题 1">
             <a:extLst>
               <a:ext uri="{FF2B5EF4-FFF2-40B4-BE49-F238E27FC236}">
+                <a16:creationId xmlns:a16="http://schemas.microsoft.com/office/drawing/2014/main" id="{3BB53227-57DE-0B55-AA17-09EB260932C5}"/>
+              </a:ext>
+            </a:extLst>
+          </p:cNvPr>
+          <p:cNvSpPr>
+            <a:spLocks noGrp="1"/>
+          </p:cNvSpPr>
+          <p:nvPr>
+            <p:ph type="title"/>
+          </p:nvPr>
+        </p:nvSpPr>
+        <p:spPr/>
+        <p:txBody>
+          <a:bodyPr/>
+          <a:lstStyle/>
+          <a:p>
+            <a:r>
+              <a:rPr lang="zh-CN" altLang="en-US" dirty="0"/>
+              <a:t>核心</a:t>
+            </a:r>
+          </a:p>
+        </p:txBody>
+      </p:sp>
+      <p:sp>
+        <p:nvSpPr>
+          <p:cNvPr id="3" name="内容占位符 2">
+            <a:extLst>
+              <a:ext uri="{FF2B5EF4-FFF2-40B4-BE49-F238E27FC236}">
+                <a16:creationId xmlns:a16="http://schemas.microsoft.com/office/drawing/2014/main" id="{3F36E75D-9576-F50D-0C21-A6C44E755F1B}"/>
+              </a:ext>
+            </a:extLst>
+          </p:cNvPr>
+          <p:cNvSpPr>
+            <a:spLocks noGrp="1"/>
+          </p:cNvSpPr>
+          <p:nvPr>
+            <p:ph idx="1"/>
+          </p:nvPr>
+        </p:nvSpPr>
+        <p:spPr/>
+        <p:txBody>
+          <a:bodyPr/>
+          <a:lstStyle/>
+          <a:p>
+            <a:r>
+              <a:rPr lang="en-US" altLang="zh-CN" b="0" dirty="0" err="1">
+                <a:solidFill>
+                  <a:srgbClr val="4EC9B0"/>
+                </a:solidFill>
+                <a:effectLst/>
+                <a:latin typeface="Consolas" panose="020B0609020204030204" pitchFamily="49" charset="0"/>
+              </a:rPr>
+              <a:t>BaseAbility</a:t>
+            </a:r>
+            <a:endParaRPr lang="en-US" altLang="zh-CN" b="0" dirty="0">
+              <a:solidFill>
+                <a:srgbClr val="4EC9B0"/>
+              </a:solidFill>
+              <a:effectLst/>
+              <a:latin typeface="Consolas" panose="020B0609020204030204" pitchFamily="49" charset="0"/>
+            </a:endParaRPr>
+          </a:p>
+          <a:p>
+            <a:r>
+              <a:rPr lang="en-US" altLang="zh-CN" b="0" dirty="0" err="1">
+                <a:solidFill>
+                  <a:srgbClr val="4EC9B0"/>
+                </a:solidFill>
+                <a:effectLst/>
+                <a:latin typeface="Consolas" panose="020B0609020204030204" pitchFamily="49" charset="0"/>
+              </a:rPr>
+              <a:t>BaseItem</a:t>
+            </a:r>
+            <a:endParaRPr lang="en-US" altLang="zh-CN" b="0" dirty="0">
+              <a:solidFill>
+                <a:srgbClr val="D4D4D4"/>
+              </a:solidFill>
+              <a:effectLst/>
+              <a:latin typeface="Consolas" panose="020B0609020204030204" pitchFamily="49" charset="0"/>
+            </a:endParaRPr>
+          </a:p>
+          <a:p>
+            <a:r>
+              <a:rPr lang="en-US" altLang="zh-CN" b="0" dirty="0" err="1">
+                <a:solidFill>
+                  <a:srgbClr val="4EC9B0"/>
+                </a:solidFill>
+                <a:effectLst/>
+                <a:latin typeface="Consolas" panose="020B0609020204030204" pitchFamily="49" charset="0"/>
+              </a:rPr>
+              <a:t>BaseModifier</a:t>
+            </a:r>
+            <a:endParaRPr lang="en-US" altLang="zh-CN" b="0" dirty="0">
+              <a:solidFill>
+                <a:srgbClr val="D4D4D4"/>
+              </a:solidFill>
+              <a:effectLst/>
+              <a:latin typeface="Consolas" panose="020B0609020204030204" pitchFamily="49" charset="0"/>
+            </a:endParaRPr>
+          </a:p>
+          <a:p>
+            <a:endParaRPr lang="en-US" altLang="zh-CN" b="0" dirty="0">
+              <a:solidFill>
+                <a:srgbClr val="D4D4D4"/>
+              </a:solidFill>
+              <a:effectLst/>
+              <a:latin typeface="Consolas" panose="020B0609020204030204" pitchFamily="49" charset="0"/>
+            </a:endParaRPr>
+          </a:p>
+          <a:p>
+            <a:endParaRPr lang="zh-CN" altLang="en-US" dirty="0"/>
+          </a:p>
+        </p:txBody>
+      </p:sp>
+    </p:spTree>
+    <p:extLst>
+      <p:ext uri="{BB962C8B-B14F-4D97-AF65-F5344CB8AC3E}">
+        <p14:creationId xmlns:p14="http://schemas.microsoft.com/office/powerpoint/2010/main" val="1340840767"/>
+      </p:ext>
+    </p:extLst>
+  </p:cSld>
+  <p:clrMapOvr>
+    <a:masterClrMapping/>
+  </p:clrMapOvr>
+</p:sld>
+</file>
+
+<file path=ppt/slides/slide3.xml><?xml version="1.0" encoding="utf-8"?>
+<p:sld xmlns:a="http://schemas.openxmlformats.org/drawingml/2006/main" xmlns:r="http://schemas.openxmlformats.org/officeDocument/2006/relationships" xmlns:p="http://schemas.openxmlformats.org/presentationml/2006/main">
+  <p:cSld>
+    <p:spTree>
+      <p:nvGrpSpPr>
+        <p:cNvPr id="1" name=""/>
+        <p:cNvGrpSpPr/>
+        <p:nvPr/>
+      </p:nvGrpSpPr>
+      <p:grpSpPr>
+        <a:xfrm>
+          <a:off x="0" y="0"/>
+          <a:ext cx="0" cy="0"/>
+          <a:chOff x="0" y="0"/>
+          <a:chExt cx="0" cy="0"/>
+        </a:xfrm>
+      </p:grpSpPr>
+      <p:sp>
+        <p:nvSpPr>
+          <p:cNvPr id="2" name="标题 1">
+            <a:extLst>
+              <a:ext uri="{FF2B5EF4-FFF2-40B4-BE49-F238E27FC236}">
                 <a16:creationId xmlns:a16="http://schemas.microsoft.com/office/drawing/2014/main" id="{05BC4725-E416-07B8-D8B3-777467C23AD3}"/>
               </a:ext>
             </a:extLst>
@@ -4589,7 +4739,7 @@
 </p:sld>
 </file>
 
-<file path=ppt/slides/slide3.xml><?xml version="1.0" encoding="utf-8"?>
+<file path=ppt/slides/slide4.xml><?xml version="1.0" encoding="utf-8"?>
 <p:sld xmlns:a="http://schemas.openxmlformats.org/drawingml/2006/main" xmlns:r="http://schemas.openxmlformats.org/officeDocument/2006/relationships" xmlns:p="http://schemas.openxmlformats.org/presentationml/2006/main">
   <p:cSld>
     <p:spTree>
@@ -4982,314 +5132,6 @@
     <p:extLst>
       <p:ext uri="{BB962C8B-B14F-4D97-AF65-F5344CB8AC3E}">
         <p14:creationId xmlns:p14="http://schemas.microsoft.com/office/powerpoint/2010/main" val="2908567341"/>
-      </p:ext>
-    </p:extLst>
-  </p:cSld>
-  <p:clrMapOvr>
-    <a:masterClrMapping/>
-  </p:clrMapOvr>
-</p:sld>
-</file>
-
-<file path=ppt/slides/slide4.xml><?xml version="1.0" encoding="utf-8"?>
-<p:sld xmlns:a="http://schemas.openxmlformats.org/drawingml/2006/main" xmlns:r="http://schemas.openxmlformats.org/officeDocument/2006/relationships" xmlns:p="http://schemas.openxmlformats.org/presentationml/2006/main">
-  <p:cSld>
-    <p:spTree>
-      <p:nvGrpSpPr>
-        <p:cNvPr id="1" name=""/>
-        <p:cNvGrpSpPr/>
-        <p:nvPr/>
-      </p:nvGrpSpPr>
-      <p:grpSpPr>
-        <a:xfrm>
-          <a:off x="0" y="0"/>
-          <a:ext cx="0" cy="0"/>
-          <a:chOff x="0" y="0"/>
-          <a:chExt cx="0" cy="0"/>
-        </a:xfrm>
-      </p:grpSpPr>
-      <p:sp>
-        <p:nvSpPr>
-          <p:cNvPr id="2" name="标题 1">
-            <a:extLst>
-              <a:ext uri="{FF2B5EF4-FFF2-40B4-BE49-F238E27FC236}">
-                <a16:creationId xmlns:a16="http://schemas.microsoft.com/office/drawing/2014/main" id="{8AD8307E-904E-0B25-BC93-A82DCF65613C}"/>
-              </a:ext>
-            </a:extLst>
-          </p:cNvPr>
-          <p:cNvSpPr>
-            <a:spLocks noGrp="1"/>
-          </p:cNvSpPr>
-          <p:nvPr>
-            <p:ph type="title"/>
-          </p:nvPr>
-        </p:nvSpPr>
-        <p:spPr/>
-        <p:txBody>
-          <a:bodyPr/>
-          <a:lstStyle/>
-          <a:p>
-            <a:r>
-              <a:rPr lang="en-US" altLang="zh-CN" b="0" dirty="0" err="1">
-                <a:solidFill>
-                  <a:srgbClr val="4EC9B0"/>
-                </a:solidFill>
-                <a:effectLst/>
-                <a:latin typeface="Consolas" panose="020B0609020204030204" pitchFamily="49" charset="0"/>
-              </a:rPr>
-              <a:t>CBaseModelEntity</a:t>
-            </a:r>
-            <a:endParaRPr lang="zh-CN" altLang="en-US" dirty="0"/>
-          </a:p>
-        </p:txBody>
-      </p:sp>
-      <p:sp>
-        <p:nvSpPr>
-          <p:cNvPr id="3" name="内容占位符 2">
-            <a:extLst>
-              <a:ext uri="{FF2B5EF4-FFF2-40B4-BE49-F238E27FC236}">
-                <a16:creationId xmlns:a16="http://schemas.microsoft.com/office/drawing/2014/main" id="{C77273E3-4017-76F1-F682-228427A4E77E}"/>
-              </a:ext>
-            </a:extLst>
-          </p:cNvPr>
-          <p:cNvSpPr>
-            <a:spLocks noGrp="1"/>
-          </p:cNvSpPr>
-          <p:nvPr>
-            <p:ph idx="1"/>
-          </p:nvPr>
-        </p:nvSpPr>
-        <p:spPr/>
-        <p:txBody>
-          <a:bodyPr>
-            <a:normAutofit fontScale="92500" lnSpcReduction="10000"/>
-          </a:bodyPr>
-          <a:lstStyle/>
-          <a:p>
-            <a:r>
-              <a:rPr lang="en-US" altLang="zh-CN" b="0" dirty="0" err="1">
-                <a:solidFill>
-                  <a:srgbClr val="4EC9B0"/>
-                </a:solidFill>
-                <a:effectLst/>
-                <a:latin typeface="Consolas" panose="020B0609020204030204" pitchFamily="49" charset="0"/>
-              </a:rPr>
-              <a:t>CBaseAnimating</a:t>
-            </a:r>
-            <a:endParaRPr lang="en-US" altLang="zh-CN" b="0" dirty="0">
-              <a:solidFill>
-                <a:srgbClr val="4EC9B0"/>
-              </a:solidFill>
-              <a:effectLst/>
-              <a:latin typeface="Consolas" panose="020B0609020204030204" pitchFamily="49" charset="0"/>
-            </a:endParaRPr>
-          </a:p>
-          <a:p>
-            <a:pPr lvl="1"/>
-            <a:r>
-              <a:rPr lang="en-US" altLang="zh-CN" b="0" dirty="0" err="1">
-                <a:solidFill>
-                  <a:srgbClr val="4EC9B0"/>
-                </a:solidFill>
-                <a:effectLst/>
-                <a:latin typeface="Consolas" panose="020B0609020204030204" pitchFamily="49" charset="0"/>
-              </a:rPr>
-              <a:t>CBaseFlex</a:t>
-            </a:r>
-            <a:endParaRPr lang="en-US" altLang="zh-CN" b="0" dirty="0">
-              <a:solidFill>
-                <a:srgbClr val="4EC9B0"/>
-              </a:solidFill>
-              <a:effectLst/>
-              <a:latin typeface="Consolas" panose="020B0609020204030204" pitchFamily="49" charset="0"/>
-            </a:endParaRPr>
-          </a:p>
-          <a:p>
-            <a:pPr lvl="2"/>
-            <a:r>
-              <a:rPr lang="en-US" altLang="zh-CN" b="0" dirty="0" err="1">
-                <a:solidFill>
-                  <a:srgbClr val="4EC9B0"/>
-                </a:solidFill>
-                <a:effectLst/>
-                <a:latin typeface="Consolas" panose="020B0609020204030204" pitchFamily="49" charset="0"/>
-              </a:rPr>
-              <a:t>CDOTA_BaseNPC</a:t>
-            </a:r>
-            <a:endParaRPr lang="en-US" altLang="zh-CN" b="0" dirty="0">
-              <a:solidFill>
-                <a:srgbClr val="D4D4D4"/>
-              </a:solidFill>
-              <a:effectLst/>
-              <a:latin typeface="Consolas" panose="020B0609020204030204" pitchFamily="49" charset="0"/>
-            </a:endParaRPr>
-          </a:p>
-          <a:p>
-            <a:pPr lvl="2"/>
-            <a:r>
-              <a:rPr lang="en-US" altLang="zh-CN" b="0" dirty="0" err="1">
-                <a:solidFill>
-                  <a:srgbClr val="4EC9B0"/>
-                </a:solidFill>
-                <a:effectLst/>
-                <a:latin typeface="Consolas" panose="020B0609020204030204" pitchFamily="49" charset="0"/>
-              </a:rPr>
-              <a:t>CDotaTutorialNPCBlocker</a:t>
-            </a:r>
-            <a:endParaRPr lang="en-US" altLang="zh-CN" b="0" dirty="0">
-              <a:solidFill>
-                <a:srgbClr val="D4D4D4"/>
-              </a:solidFill>
-              <a:effectLst/>
-              <a:latin typeface="Consolas" panose="020B0609020204030204" pitchFamily="49" charset="0"/>
-            </a:endParaRPr>
-          </a:p>
-          <a:p>
-            <a:pPr lvl="2"/>
-            <a:endParaRPr lang="en-US" altLang="zh-CN" b="0" dirty="0">
-              <a:solidFill>
-                <a:srgbClr val="D4D4D4"/>
-              </a:solidFill>
-              <a:effectLst/>
-              <a:latin typeface="Consolas" panose="020B0609020204030204" pitchFamily="49" charset="0"/>
-            </a:endParaRPr>
-          </a:p>
-          <a:p>
-            <a:pPr lvl="1"/>
-            <a:r>
-              <a:rPr lang="en-US" altLang="zh-CN" b="0" dirty="0" err="1">
-                <a:solidFill>
-                  <a:srgbClr val="4EC9B0"/>
-                </a:solidFill>
-                <a:effectLst/>
-                <a:latin typeface="Consolas" panose="020B0609020204030204" pitchFamily="49" charset="0"/>
-              </a:rPr>
-              <a:t>CDOTA_Item_Physical</a:t>
-            </a:r>
-            <a:endParaRPr lang="en-US" altLang="zh-CN" b="0" dirty="0">
-              <a:solidFill>
-                <a:srgbClr val="D4D4D4"/>
-              </a:solidFill>
-              <a:effectLst/>
-              <a:latin typeface="Consolas" panose="020B0609020204030204" pitchFamily="49" charset="0"/>
-            </a:endParaRPr>
-          </a:p>
-          <a:p>
-            <a:pPr lvl="1"/>
-            <a:r>
-              <a:rPr lang="en-US" altLang="zh-CN" b="0" dirty="0" err="1">
-                <a:solidFill>
-                  <a:srgbClr val="4EC9B0"/>
-                </a:solidFill>
-                <a:effectLst/>
-                <a:latin typeface="Consolas" panose="020B0609020204030204" pitchFamily="49" charset="0"/>
-              </a:rPr>
-              <a:t>CDOTAPlayerController</a:t>
-            </a:r>
-            <a:endParaRPr lang="en-US" altLang="zh-CN" b="0" dirty="0">
-              <a:solidFill>
-                <a:srgbClr val="D4D4D4"/>
-              </a:solidFill>
-              <a:effectLst/>
-              <a:latin typeface="Consolas" panose="020B0609020204030204" pitchFamily="49" charset="0"/>
-            </a:endParaRPr>
-          </a:p>
-          <a:p>
-            <a:pPr lvl="1"/>
-            <a:r>
-              <a:rPr lang="en-US" altLang="zh-CN" b="0" dirty="0" err="1">
-                <a:solidFill>
-                  <a:srgbClr val="4EC9B0"/>
-                </a:solidFill>
-                <a:effectLst/>
-                <a:latin typeface="Consolas" panose="020B0609020204030204" pitchFamily="49" charset="0"/>
-              </a:rPr>
-              <a:t>CPhysicsProp</a:t>
-            </a:r>
-            <a:endParaRPr lang="en-US" altLang="zh-CN" b="0" dirty="0">
-              <a:solidFill>
-                <a:srgbClr val="D4D4D4"/>
-              </a:solidFill>
-              <a:effectLst/>
-              <a:latin typeface="Consolas" panose="020B0609020204030204" pitchFamily="49" charset="0"/>
-            </a:endParaRPr>
-          </a:p>
-          <a:p>
-            <a:pPr lvl="1"/>
-            <a:endParaRPr lang="en-US" altLang="zh-CN" b="0" dirty="0">
-              <a:solidFill>
-                <a:srgbClr val="D4D4D4"/>
-              </a:solidFill>
-              <a:effectLst/>
-              <a:latin typeface="Consolas" panose="020B0609020204030204" pitchFamily="49" charset="0"/>
-            </a:endParaRPr>
-          </a:p>
-          <a:p>
-            <a:r>
-              <a:rPr lang="en-US" altLang="zh-CN" b="0" dirty="0" err="1">
-                <a:solidFill>
-                  <a:srgbClr val="4EC9B0"/>
-                </a:solidFill>
-                <a:effectLst/>
-                <a:latin typeface="Consolas" panose="020B0609020204030204" pitchFamily="49" charset="0"/>
-              </a:rPr>
-              <a:t>CParticleSystem</a:t>
-            </a:r>
-            <a:endParaRPr lang="en-US" altLang="zh-CN" b="0" dirty="0">
-              <a:solidFill>
-                <a:srgbClr val="D4D4D4"/>
-              </a:solidFill>
-              <a:effectLst/>
-              <a:latin typeface="Consolas" panose="020B0609020204030204" pitchFamily="49" charset="0"/>
-            </a:endParaRPr>
-          </a:p>
-          <a:p>
-            <a:r>
-              <a:rPr lang="en-US" altLang="zh-CN" b="0" dirty="0" err="1">
-                <a:solidFill>
-                  <a:srgbClr val="4EC9B0"/>
-                </a:solidFill>
-                <a:effectLst/>
-                <a:latin typeface="Consolas" panose="020B0609020204030204" pitchFamily="49" charset="0"/>
-              </a:rPr>
-              <a:t>CPointClientUIWorldPanel</a:t>
-            </a:r>
-            <a:endParaRPr lang="en-US" altLang="zh-CN" b="0" dirty="0">
-              <a:solidFill>
-                <a:srgbClr val="D4D4D4"/>
-              </a:solidFill>
-              <a:effectLst/>
-              <a:latin typeface="Consolas" panose="020B0609020204030204" pitchFamily="49" charset="0"/>
-            </a:endParaRPr>
-          </a:p>
-          <a:p>
-            <a:r>
-              <a:rPr lang="en-US" altLang="zh-CN" b="0" dirty="0" err="1">
-                <a:solidFill>
-                  <a:srgbClr val="4EC9B0"/>
-                </a:solidFill>
-                <a:effectLst/>
-                <a:latin typeface="Consolas" panose="020B0609020204030204" pitchFamily="49" charset="0"/>
-              </a:rPr>
-              <a:t>CPointWorldText</a:t>
-            </a:r>
-            <a:endParaRPr lang="en-US" altLang="zh-CN" b="0" dirty="0">
-              <a:solidFill>
-                <a:srgbClr val="D4D4D4"/>
-              </a:solidFill>
-              <a:effectLst/>
-              <a:latin typeface="Consolas" panose="020B0609020204030204" pitchFamily="49" charset="0"/>
-            </a:endParaRPr>
-          </a:p>
-          <a:p>
-            <a:endParaRPr lang="zh-CN" altLang="en-US" dirty="0"/>
-          </a:p>
-        </p:txBody>
-      </p:sp>
-    </p:spTree>
-    <p:extLst>
-      <p:ext uri="{BB962C8B-B14F-4D97-AF65-F5344CB8AC3E}">
-        <p14:creationId xmlns:p14="http://schemas.microsoft.com/office/powerpoint/2010/main" val="969370562"/>
       </p:ext>
     </p:extLst>
   </p:cSld>
@@ -5321,7 +5163,7 @@
           <p:cNvPr id="2" name="标题 1">
             <a:extLst>
               <a:ext uri="{FF2B5EF4-FFF2-40B4-BE49-F238E27FC236}">
-                <a16:creationId xmlns:a16="http://schemas.microsoft.com/office/drawing/2014/main" id="{34E778FE-6AA2-7969-D498-618164012747}"/>
+                <a16:creationId xmlns:a16="http://schemas.microsoft.com/office/drawing/2014/main" id="{8AD8307E-904E-0B25-BC93-A82DCF65613C}"/>
               </a:ext>
             </a:extLst>
           </p:cNvPr>
@@ -5345,7 +5187,7 @@
                 <a:effectLst/>
                 <a:latin typeface="Consolas" panose="020B0609020204030204" pitchFamily="49" charset="0"/>
               </a:rPr>
-              <a:t>CBaseTrigger</a:t>
+              <a:t>CBaseModelEntity</a:t>
             </a:r>
             <a:endParaRPr lang="zh-CN" altLang="en-US" dirty="0"/>
           </a:p>
@@ -5356,7 +5198,7 @@
           <p:cNvPr id="3" name="内容占位符 2">
             <a:extLst>
               <a:ext uri="{FF2B5EF4-FFF2-40B4-BE49-F238E27FC236}">
-                <a16:creationId xmlns:a16="http://schemas.microsoft.com/office/drawing/2014/main" id="{517BF602-4238-E2ED-2B78-F6CF1096F597}"/>
+                <a16:creationId xmlns:a16="http://schemas.microsoft.com/office/drawing/2014/main" id="{C77273E3-4017-76F1-F682-228427A4E77E}"/>
               </a:ext>
             </a:extLst>
           </p:cNvPr>
@@ -5369,18 +5211,217 @@
         </p:nvSpPr>
         <p:spPr/>
         <p:txBody>
-          <a:bodyPr/>
-          <a:lstStyle/>
-          <a:p>
-            <a:r>
-              <a:rPr lang="en-US" altLang="zh-CN" b="0" dirty="0" err="1">
-                <a:solidFill>
-                  <a:srgbClr val="4EC9B0"/>
-                </a:solidFill>
-                <a:effectLst/>
-                <a:latin typeface="Consolas" panose="020B0609020204030204" pitchFamily="49" charset="0"/>
-              </a:rPr>
-              <a:t>CDOTA_ShopTrigger</a:t>
+          <a:bodyPr>
+            <a:normAutofit fontScale="92500" lnSpcReduction="10000"/>
+          </a:bodyPr>
+          <a:lstStyle/>
+          <a:p>
+            <a:r>
+              <a:rPr lang="en-US" altLang="zh-CN" b="0" dirty="0" err="1">
+                <a:solidFill>
+                  <a:srgbClr val="4EC9B0"/>
+                </a:solidFill>
+                <a:effectLst/>
+                <a:latin typeface="Consolas" panose="020B0609020204030204" pitchFamily="49" charset="0"/>
+              </a:rPr>
+              <a:t>CBaseAnimating</a:t>
+            </a:r>
+            <a:endParaRPr lang="en-US" altLang="zh-CN" b="0" dirty="0">
+              <a:solidFill>
+                <a:srgbClr val="4EC9B0"/>
+              </a:solidFill>
+              <a:effectLst/>
+              <a:latin typeface="Consolas" panose="020B0609020204030204" pitchFamily="49" charset="0"/>
+            </a:endParaRPr>
+          </a:p>
+          <a:p>
+            <a:pPr lvl="1"/>
+            <a:r>
+              <a:rPr lang="en-US" altLang="zh-CN" b="0" dirty="0" err="1">
+                <a:solidFill>
+                  <a:srgbClr val="4EC9B0"/>
+                </a:solidFill>
+                <a:effectLst/>
+                <a:latin typeface="Consolas" panose="020B0609020204030204" pitchFamily="49" charset="0"/>
+              </a:rPr>
+              <a:t>CBaseFlex</a:t>
+            </a:r>
+            <a:endParaRPr lang="en-US" altLang="zh-CN" b="0" dirty="0">
+              <a:solidFill>
+                <a:srgbClr val="4EC9B0"/>
+              </a:solidFill>
+              <a:effectLst/>
+              <a:latin typeface="Consolas" panose="020B0609020204030204" pitchFamily="49" charset="0"/>
+            </a:endParaRPr>
+          </a:p>
+          <a:p>
+            <a:pPr lvl="2"/>
+            <a:r>
+              <a:rPr lang="en-US" altLang="zh-CN" b="0" dirty="0" err="1">
+                <a:solidFill>
+                  <a:srgbClr val="4EC9B0"/>
+                </a:solidFill>
+                <a:effectLst/>
+                <a:latin typeface="Consolas" panose="020B0609020204030204" pitchFamily="49" charset="0"/>
+              </a:rPr>
+              <a:t>CDOTA_BaseNPC</a:t>
+            </a:r>
+            <a:endParaRPr lang="en-US" altLang="zh-CN" b="0" dirty="0">
+              <a:solidFill>
+                <a:srgbClr val="D4D4D4"/>
+              </a:solidFill>
+              <a:effectLst/>
+              <a:latin typeface="Consolas" panose="020B0609020204030204" pitchFamily="49" charset="0"/>
+            </a:endParaRPr>
+          </a:p>
+          <a:p>
+            <a:pPr lvl="2"/>
+            <a:r>
+              <a:rPr lang="en-US" altLang="zh-CN" b="0" dirty="0" err="1">
+                <a:solidFill>
+                  <a:srgbClr val="4EC9B0"/>
+                </a:solidFill>
+                <a:effectLst/>
+                <a:latin typeface="Consolas" panose="020B0609020204030204" pitchFamily="49" charset="0"/>
+              </a:rPr>
+              <a:t>CDotaTutorialNPCBlocker</a:t>
+            </a:r>
+            <a:endParaRPr lang="en-US" altLang="zh-CN" b="0" dirty="0">
+              <a:solidFill>
+                <a:srgbClr val="D4D4D4"/>
+              </a:solidFill>
+              <a:effectLst/>
+              <a:latin typeface="Consolas" panose="020B0609020204030204" pitchFamily="49" charset="0"/>
+            </a:endParaRPr>
+          </a:p>
+          <a:p>
+            <a:pPr lvl="2"/>
+            <a:endParaRPr lang="en-US" altLang="zh-CN" b="0" dirty="0">
+              <a:solidFill>
+                <a:srgbClr val="D4D4D4"/>
+              </a:solidFill>
+              <a:effectLst/>
+              <a:latin typeface="Consolas" panose="020B0609020204030204" pitchFamily="49" charset="0"/>
+            </a:endParaRPr>
+          </a:p>
+          <a:p>
+            <a:pPr lvl="1"/>
+            <a:r>
+              <a:rPr lang="en-US" altLang="zh-CN" b="0" dirty="0" err="1">
+                <a:solidFill>
+                  <a:srgbClr val="4EC9B0"/>
+                </a:solidFill>
+                <a:effectLst/>
+                <a:latin typeface="Consolas" panose="020B0609020204030204" pitchFamily="49" charset="0"/>
+              </a:rPr>
+              <a:t>CDOTA_Item_Physical</a:t>
+            </a:r>
+            <a:endParaRPr lang="en-US" altLang="zh-CN" b="0" dirty="0">
+              <a:solidFill>
+                <a:srgbClr val="D4D4D4"/>
+              </a:solidFill>
+              <a:effectLst/>
+              <a:latin typeface="Consolas" panose="020B0609020204030204" pitchFamily="49" charset="0"/>
+            </a:endParaRPr>
+          </a:p>
+          <a:p>
+            <a:pPr lvl="1"/>
+            <a:r>
+              <a:rPr lang="en-US" altLang="zh-CN" b="0" dirty="0" err="1">
+                <a:solidFill>
+                  <a:srgbClr val="4EC9B0"/>
+                </a:solidFill>
+                <a:effectLst/>
+                <a:latin typeface="Consolas" panose="020B0609020204030204" pitchFamily="49" charset="0"/>
+              </a:rPr>
+              <a:t>CDOTAPlayerController</a:t>
+            </a:r>
+            <a:endParaRPr lang="en-US" altLang="zh-CN" b="0" dirty="0">
+              <a:solidFill>
+                <a:srgbClr val="D4D4D4"/>
+              </a:solidFill>
+              <a:effectLst/>
+              <a:latin typeface="Consolas" panose="020B0609020204030204" pitchFamily="49" charset="0"/>
+            </a:endParaRPr>
+          </a:p>
+          <a:p>
+            <a:pPr lvl="1"/>
+            <a:r>
+              <a:rPr lang="en-US" altLang="zh-CN" b="0" dirty="0" err="1">
+                <a:solidFill>
+                  <a:srgbClr val="4EC9B0"/>
+                </a:solidFill>
+                <a:effectLst/>
+                <a:latin typeface="Consolas" panose="020B0609020204030204" pitchFamily="49" charset="0"/>
+              </a:rPr>
+              <a:t>CPhysicsProp</a:t>
+            </a:r>
+            <a:endParaRPr lang="en-US" altLang="zh-CN" b="0" dirty="0">
+              <a:solidFill>
+                <a:srgbClr val="D4D4D4"/>
+              </a:solidFill>
+              <a:effectLst/>
+              <a:latin typeface="Consolas" panose="020B0609020204030204" pitchFamily="49" charset="0"/>
+            </a:endParaRPr>
+          </a:p>
+          <a:p>
+            <a:pPr lvl="1"/>
+            <a:endParaRPr lang="en-US" altLang="zh-CN" b="0" dirty="0">
+              <a:solidFill>
+                <a:srgbClr val="D4D4D4"/>
+              </a:solidFill>
+              <a:effectLst/>
+              <a:latin typeface="Consolas" panose="020B0609020204030204" pitchFamily="49" charset="0"/>
+            </a:endParaRPr>
+          </a:p>
+          <a:p>
+            <a:r>
+              <a:rPr lang="en-US" altLang="zh-CN" b="0" dirty="0" err="1">
+                <a:solidFill>
+                  <a:srgbClr val="4EC9B0"/>
+                </a:solidFill>
+                <a:effectLst/>
+                <a:latin typeface="Consolas" panose="020B0609020204030204" pitchFamily="49" charset="0"/>
+              </a:rPr>
+              <a:t>CParticleSystem</a:t>
+            </a:r>
+            <a:endParaRPr lang="en-US" altLang="zh-CN" b="0" dirty="0">
+              <a:solidFill>
+                <a:srgbClr val="D4D4D4"/>
+              </a:solidFill>
+              <a:effectLst/>
+              <a:latin typeface="Consolas" panose="020B0609020204030204" pitchFamily="49" charset="0"/>
+            </a:endParaRPr>
+          </a:p>
+          <a:p>
+            <a:r>
+              <a:rPr lang="en-US" altLang="zh-CN" b="0" dirty="0" err="1">
+                <a:solidFill>
+                  <a:srgbClr val="4EC9B0"/>
+                </a:solidFill>
+                <a:effectLst/>
+                <a:latin typeface="Consolas" panose="020B0609020204030204" pitchFamily="49" charset="0"/>
+              </a:rPr>
+              <a:t>CPointClientUIWorldPanel</a:t>
+            </a:r>
+            <a:endParaRPr lang="en-US" altLang="zh-CN" b="0" dirty="0">
+              <a:solidFill>
+                <a:srgbClr val="D4D4D4"/>
+              </a:solidFill>
+              <a:effectLst/>
+              <a:latin typeface="Consolas" panose="020B0609020204030204" pitchFamily="49" charset="0"/>
+            </a:endParaRPr>
+          </a:p>
+          <a:p>
+            <a:r>
+              <a:rPr lang="en-US" altLang="zh-CN" b="0" dirty="0" err="1">
+                <a:solidFill>
+                  <a:srgbClr val="4EC9B0"/>
+                </a:solidFill>
+                <a:effectLst/>
+                <a:latin typeface="Consolas" panose="020B0609020204030204" pitchFamily="49" charset="0"/>
+              </a:rPr>
+              <a:t>CPointWorldText</a:t>
             </a:r>
             <a:endParaRPr lang="en-US" altLang="zh-CN" b="0" dirty="0">
               <a:solidFill>
@@ -5398,7 +5439,7 @@
     </p:spTree>
     <p:extLst>
       <p:ext uri="{BB962C8B-B14F-4D97-AF65-F5344CB8AC3E}">
-        <p14:creationId xmlns:p14="http://schemas.microsoft.com/office/powerpoint/2010/main" val="1405815930"/>
+        <p14:creationId xmlns:p14="http://schemas.microsoft.com/office/powerpoint/2010/main" val="969370562"/>
       </p:ext>
     </p:extLst>
   </p:cSld>
@@ -5430,7 +5471,7 @@
           <p:cNvPr id="2" name="标题 1">
             <a:extLst>
               <a:ext uri="{FF2B5EF4-FFF2-40B4-BE49-F238E27FC236}">
-                <a16:creationId xmlns:a16="http://schemas.microsoft.com/office/drawing/2014/main" id="{851A0983-3DE0-3467-F758-B36B224B4558}"/>
+                <a16:creationId xmlns:a16="http://schemas.microsoft.com/office/drawing/2014/main" id="{34E778FE-6AA2-7969-D498-618164012747}"/>
               </a:ext>
             </a:extLst>
           </p:cNvPr>
@@ -5454,7 +5495,7 @@
                 <a:effectLst/>
                 <a:latin typeface="Consolas" panose="020B0609020204030204" pitchFamily="49" charset="0"/>
               </a:rPr>
-              <a:t>CDOTABaseAbility</a:t>
+              <a:t>CBaseTrigger</a:t>
             </a:r>
             <a:endParaRPr lang="zh-CN" altLang="en-US" dirty="0"/>
           </a:p>
@@ -5465,7 +5506,7 @@
           <p:cNvPr id="3" name="内容占位符 2">
             <a:extLst>
               <a:ext uri="{FF2B5EF4-FFF2-40B4-BE49-F238E27FC236}">
-                <a16:creationId xmlns:a16="http://schemas.microsoft.com/office/drawing/2014/main" id="{6910976C-6554-755F-A87C-354E11959D06}"/>
+                <a16:creationId xmlns:a16="http://schemas.microsoft.com/office/drawing/2014/main" id="{517BF602-4238-E2ED-2B78-F6CF1096F597}"/>
               </a:ext>
             </a:extLst>
           </p:cNvPr>
@@ -5478,342 +5519,19 @@
         </p:nvSpPr>
         <p:spPr/>
         <p:txBody>
-          <a:bodyPr>
-            <a:normAutofit fontScale="55000" lnSpcReduction="20000"/>
-          </a:bodyPr>
-          <a:lstStyle/>
-          <a:p>
-            <a:r>
-              <a:rPr lang="en-US" altLang="zh-CN" b="0" dirty="0" err="1">
-                <a:solidFill>
-                  <a:srgbClr val="4EC9B0"/>
-                </a:solidFill>
-                <a:effectLst/>
-                <a:latin typeface="Consolas" panose="020B0609020204030204" pitchFamily="49" charset="0"/>
-              </a:rPr>
-              <a:t>CDOTA_Ability_Aghanim_Spear</a:t>
-            </a:r>
-            <a:endParaRPr lang="en-US" altLang="zh-CN" b="0" dirty="0">
-              <a:solidFill>
-                <a:srgbClr val="D4D4D4"/>
-              </a:solidFill>
-              <a:effectLst/>
-              <a:latin typeface="Consolas" panose="020B0609020204030204" pitchFamily="49" charset="0"/>
-            </a:endParaRPr>
-          </a:p>
-          <a:p>
-            <a:r>
-              <a:rPr lang="en-US" altLang="zh-CN" b="0" dirty="0" err="1">
-                <a:solidFill>
-                  <a:srgbClr val="4EC9B0"/>
-                </a:solidFill>
-                <a:effectLst/>
-                <a:latin typeface="Consolas" panose="020B0609020204030204" pitchFamily="49" charset="0"/>
-              </a:rPr>
-              <a:t>CDOTA_Ability_Animation_Attack</a:t>
-            </a:r>
-            <a:endParaRPr lang="en-US" altLang="zh-CN" b="0" dirty="0">
-              <a:solidFill>
-                <a:srgbClr val="D4D4D4"/>
-              </a:solidFill>
-              <a:effectLst/>
-              <a:latin typeface="Consolas" panose="020B0609020204030204" pitchFamily="49" charset="0"/>
-            </a:endParaRPr>
-          </a:p>
-          <a:p>
-            <a:r>
-              <a:rPr lang="en-US" altLang="zh-CN" b="0" dirty="0" err="1">
-                <a:solidFill>
-                  <a:srgbClr val="4EC9B0"/>
-                </a:solidFill>
-                <a:effectLst/>
-                <a:latin typeface="Consolas" panose="020B0609020204030204" pitchFamily="49" charset="0"/>
-              </a:rPr>
-              <a:t>CDOTA_Ability_Animation_TailSpin</a:t>
-            </a:r>
-            <a:endParaRPr lang="en-US" altLang="zh-CN" b="0" dirty="0">
-              <a:solidFill>
-                <a:srgbClr val="D4D4D4"/>
-              </a:solidFill>
-              <a:effectLst/>
-              <a:latin typeface="Consolas" panose="020B0609020204030204" pitchFamily="49" charset="0"/>
-            </a:endParaRPr>
-          </a:p>
-          <a:p>
-            <a:r>
-              <a:rPr lang="en-US" altLang="zh-CN" b="0" dirty="0" err="1">
-                <a:solidFill>
-                  <a:srgbClr val="4EC9B0"/>
-                </a:solidFill>
-                <a:effectLst/>
-                <a:latin typeface="Consolas" panose="020B0609020204030204" pitchFamily="49" charset="0"/>
-              </a:rPr>
-              <a:t>CDOTA_Ability_DataDriven</a:t>
-            </a:r>
-            <a:endParaRPr lang="en-US" altLang="zh-CN" b="0" dirty="0">
-              <a:solidFill>
-                <a:srgbClr val="D4D4D4"/>
-              </a:solidFill>
-              <a:effectLst/>
-              <a:latin typeface="Consolas" panose="020B0609020204030204" pitchFamily="49" charset="0"/>
-            </a:endParaRPr>
-          </a:p>
-          <a:p>
-            <a:r>
-              <a:rPr lang="en-US" altLang="zh-CN" b="0" dirty="0" err="1">
-                <a:solidFill>
-                  <a:srgbClr val="4EC9B0"/>
-                </a:solidFill>
-                <a:effectLst/>
-                <a:latin typeface="Consolas" panose="020B0609020204030204" pitchFamily="49" charset="0"/>
-              </a:rPr>
-              <a:t>CDOTA_Ability_Lua</a:t>
-            </a:r>
-            <a:endParaRPr lang="en-US" altLang="zh-CN" b="0" dirty="0">
-              <a:solidFill>
-                <a:srgbClr val="4EC9B0"/>
-              </a:solidFill>
-              <a:effectLst/>
-              <a:latin typeface="Consolas" panose="020B0609020204030204" pitchFamily="49" charset="0"/>
-            </a:endParaRPr>
-          </a:p>
-          <a:p>
-            <a:pPr lvl="1"/>
-            <a:r>
-              <a:rPr lang="en-US" altLang="zh-CN" b="0" dirty="0" err="1">
-                <a:solidFill>
-                  <a:srgbClr val="4EC9B0"/>
-                </a:solidFill>
-                <a:effectLst/>
-                <a:latin typeface="Consolas" panose="020B0609020204030204" pitchFamily="49" charset="0"/>
-              </a:rPr>
-              <a:t>BaseAbility</a:t>
-            </a:r>
-            <a:endParaRPr lang="en-US" altLang="zh-CN" b="0" dirty="0">
-              <a:solidFill>
-                <a:srgbClr val="D4D4D4"/>
-              </a:solidFill>
-              <a:effectLst/>
-              <a:latin typeface="Consolas" panose="020B0609020204030204" pitchFamily="49" charset="0"/>
-            </a:endParaRPr>
-          </a:p>
-          <a:p>
-            <a:pPr lvl="1"/>
-            <a:endParaRPr lang="en-US" altLang="zh-CN" b="0" dirty="0">
-              <a:solidFill>
-                <a:srgbClr val="D4D4D4"/>
-              </a:solidFill>
-              <a:effectLst/>
-              <a:latin typeface="Consolas" panose="020B0609020204030204" pitchFamily="49" charset="0"/>
-            </a:endParaRPr>
-          </a:p>
-          <a:p>
-            <a:r>
-              <a:rPr lang="en-US" altLang="zh-CN" b="0" dirty="0" err="1">
-                <a:solidFill>
-                  <a:srgbClr val="4EC9B0"/>
-                </a:solidFill>
-                <a:effectLst/>
-                <a:latin typeface="Consolas" panose="020B0609020204030204" pitchFamily="49" charset="0"/>
-              </a:rPr>
-              <a:t>CDOTA_Ability_Nian_Dive</a:t>
-            </a:r>
-            <a:endParaRPr lang="en-US" altLang="zh-CN" b="0" dirty="0">
-              <a:solidFill>
-                <a:srgbClr val="D4D4D4"/>
-              </a:solidFill>
-              <a:effectLst/>
-              <a:latin typeface="Consolas" panose="020B0609020204030204" pitchFamily="49" charset="0"/>
-            </a:endParaRPr>
-          </a:p>
-          <a:p>
-            <a:r>
-              <a:rPr lang="en-US" altLang="zh-CN" b="0" dirty="0" err="1">
-                <a:solidFill>
-                  <a:srgbClr val="4EC9B0"/>
-                </a:solidFill>
-                <a:effectLst/>
-                <a:latin typeface="Consolas" panose="020B0609020204030204" pitchFamily="49" charset="0"/>
-              </a:rPr>
-              <a:t>CDOTA_Ability_Nian_Leap</a:t>
-            </a:r>
-            <a:endParaRPr lang="en-US" altLang="zh-CN" b="0" dirty="0">
-              <a:solidFill>
-                <a:srgbClr val="D4D4D4"/>
-              </a:solidFill>
-              <a:effectLst/>
-              <a:latin typeface="Consolas" panose="020B0609020204030204" pitchFamily="49" charset="0"/>
-            </a:endParaRPr>
-          </a:p>
-          <a:p>
-            <a:r>
-              <a:rPr lang="en-US" altLang="zh-CN" b="0" dirty="0" err="1">
-                <a:solidFill>
-                  <a:srgbClr val="4EC9B0"/>
-                </a:solidFill>
-                <a:effectLst/>
-                <a:latin typeface="Consolas" panose="020B0609020204030204" pitchFamily="49" charset="0"/>
-              </a:rPr>
-              <a:t>CDOTA_Ability_Nian_Roar</a:t>
-            </a:r>
-            <a:endParaRPr lang="en-US" altLang="zh-CN" b="0" dirty="0">
-              <a:solidFill>
-                <a:srgbClr val="D4D4D4"/>
-              </a:solidFill>
-              <a:effectLst/>
-              <a:latin typeface="Consolas" panose="020B0609020204030204" pitchFamily="49" charset="0"/>
-            </a:endParaRPr>
-          </a:p>
-          <a:p>
-            <a:r>
-              <a:rPr lang="en-US" altLang="zh-CN" b="0" dirty="0" err="1">
-                <a:solidFill>
-                  <a:srgbClr val="4EC9B0"/>
-                </a:solidFill>
-                <a:effectLst/>
-                <a:latin typeface="Consolas" panose="020B0609020204030204" pitchFamily="49" charset="0"/>
-              </a:rPr>
-              <a:t>CDOTA_AghsFort_Ability_ArcWardenBoss_TempestDouble</a:t>
-            </a:r>
-            <a:endParaRPr lang="en-US" altLang="zh-CN" b="0" dirty="0">
-              <a:solidFill>
-                <a:srgbClr val="D4D4D4"/>
-              </a:solidFill>
-              <a:effectLst/>
-              <a:latin typeface="Consolas" panose="020B0609020204030204" pitchFamily="49" charset="0"/>
-            </a:endParaRPr>
-          </a:p>
-          <a:p>
-            <a:r>
-              <a:rPr lang="en-US" altLang="zh-CN" b="0" dirty="0" err="1">
-                <a:solidFill>
-                  <a:srgbClr val="4EC9B0"/>
-                </a:solidFill>
-                <a:effectLst/>
-                <a:latin typeface="Consolas" panose="020B0609020204030204" pitchFamily="49" charset="0"/>
-              </a:rPr>
-              <a:t>CDOTA_Item</a:t>
-            </a:r>
-            <a:endParaRPr lang="en-US" altLang="zh-CN" b="0" dirty="0">
-              <a:solidFill>
-                <a:srgbClr val="4EC9B0"/>
-              </a:solidFill>
-              <a:effectLst/>
-              <a:latin typeface="Consolas" panose="020B0609020204030204" pitchFamily="49" charset="0"/>
-            </a:endParaRPr>
-          </a:p>
-          <a:p>
-            <a:pPr lvl="1"/>
-            <a:r>
-              <a:rPr lang="en-US" altLang="zh-CN" b="0" dirty="0" err="1">
-                <a:solidFill>
-                  <a:srgbClr val="4EC9B0"/>
-                </a:solidFill>
-                <a:effectLst/>
-                <a:latin typeface="Consolas" panose="020B0609020204030204" pitchFamily="49" charset="0"/>
-              </a:rPr>
-              <a:t>CDOTA_Item_BagOfGold</a:t>
-            </a:r>
-            <a:endParaRPr lang="en-US" altLang="zh-CN" b="0" dirty="0">
-              <a:solidFill>
-                <a:srgbClr val="D4D4D4"/>
-              </a:solidFill>
-              <a:effectLst/>
-              <a:latin typeface="Consolas" panose="020B0609020204030204" pitchFamily="49" charset="0"/>
-            </a:endParaRPr>
-          </a:p>
-          <a:p>
-            <a:pPr lvl="1"/>
-            <a:r>
-              <a:rPr lang="en-US" altLang="zh-CN" b="0" dirty="0" err="1">
-                <a:solidFill>
-                  <a:srgbClr val="4EC9B0"/>
-                </a:solidFill>
-                <a:effectLst/>
-                <a:latin typeface="Consolas" panose="020B0609020204030204" pitchFamily="49" charset="0"/>
-              </a:rPr>
-              <a:t>CDOTA_Item_DataDriven</a:t>
-            </a:r>
-            <a:endParaRPr lang="en-US" altLang="zh-CN" b="0" dirty="0">
-              <a:solidFill>
-                <a:srgbClr val="D4D4D4"/>
-              </a:solidFill>
-              <a:effectLst/>
-              <a:latin typeface="Consolas" panose="020B0609020204030204" pitchFamily="49" charset="0"/>
-            </a:endParaRPr>
-          </a:p>
-          <a:p>
-            <a:pPr lvl="1"/>
-            <a:r>
-              <a:rPr lang="en-US" altLang="zh-CN" b="0" dirty="0" err="1">
-                <a:solidFill>
-                  <a:srgbClr val="4EC9B0"/>
-                </a:solidFill>
-                <a:effectLst/>
-                <a:latin typeface="Consolas" panose="020B0609020204030204" pitchFamily="49" charset="0"/>
-              </a:rPr>
-              <a:t>CDOTA_Item_EmptyBottle</a:t>
-            </a:r>
-            <a:endParaRPr lang="en-US" altLang="zh-CN" b="0" dirty="0">
-              <a:solidFill>
-                <a:srgbClr val="D4D4D4"/>
-              </a:solidFill>
-              <a:effectLst/>
-              <a:latin typeface="Consolas" panose="020B0609020204030204" pitchFamily="49" charset="0"/>
-            </a:endParaRPr>
-          </a:p>
-          <a:p>
-            <a:pPr lvl="1"/>
-            <a:r>
-              <a:rPr lang="en-US" altLang="zh-CN" b="0" dirty="0" err="1">
-                <a:solidFill>
-                  <a:srgbClr val="4EC9B0"/>
-                </a:solidFill>
-                <a:effectLst/>
-                <a:latin typeface="Consolas" panose="020B0609020204030204" pitchFamily="49" charset="0"/>
-              </a:rPr>
-              <a:t>CDOTA_Item_Lua</a:t>
-            </a:r>
-            <a:endParaRPr lang="en-US" altLang="zh-CN" b="0" dirty="0">
-              <a:solidFill>
-                <a:srgbClr val="4EC9B0"/>
-              </a:solidFill>
-              <a:effectLst/>
-              <a:latin typeface="Consolas" panose="020B0609020204030204" pitchFamily="49" charset="0"/>
-            </a:endParaRPr>
-          </a:p>
-          <a:p>
-            <a:pPr lvl="2"/>
-            <a:r>
-              <a:rPr lang="en-US" altLang="zh-CN" b="0" dirty="0" err="1">
-                <a:solidFill>
-                  <a:srgbClr val="4EC9B0"/>
-                </a:solidFill>
-                <a:effectLst/>
-                <a:latin typeface="Consolas" panose="020B0609020204030204" pitchFamily="49" charset="0"/>
-              </a:rPr>
-              <a:t>BaseItem</a:t>
-            </a:r>
-            <a:endParaRPr lang="en-US" altLang="zh-CN" b="0" dirty="0">
-              <a:solidFill>
-                <a:srgbClr val="D4D4D4"/>
-              </a:solidFill>
-              <a:effectLst/>
-              <a:latin typeface="Consolas" panose="020B0609020204030204" pitchFamily="49" charset="0"/>
-            </a:endParaRPr>
-          </a:p>
-          <a:p>
-            <a:pPr lvl="2"/>
-            <a:endParaRPr lang="en-US" altLang="zh-CN" b="0" dirty="0">
-              <a:solidFill>
-                <a:srgbClr val="D4D4D4"/>
-              </a:solidFill>
-              <a:effectLst/>
-              <a:latin typeface="Consolas" panose="020B0609020204030204" pitchFamily="49" charset="0"/>
-            </a:endParaRPr>
-          </a:p>
-          <a:p>
-            <a:pPr lvl="1"/>
+          <a:bodyPr/>
+          <a:lstStyle/>
+          <a:p>
+            <a:r>
+              <a:rPr lang="en-US" altLang="zh-CN" b="0" dirty="0" err="1">
+                <a:solidFill>
+                  <a:srgbClr val="4EC9B0"/>
+                </a:solidFill>
+                <a:effectLst/>
+                <a:latin typeface="Consolas" panose="020B0609020204030204" pitchFamily="49" charset="0"/>
+              </a:rPr>
+              <a:t>CDOTA_ShopTrigger</a:t>
+            </a:r>
             <a:endParaRPr lang="en-US" altLang="zh-CN" b="0" dirty="0">
               <a:solidFill>
                 <a:srgbClr val="D4D4D4"/>
@@ -5830,7 +5548,7 @@
     </p:spTree>
     <p:extLst>
       <p:ext uri="{BB962C8B-B14F-4D97-AF65-F5344CB8AC3E}">
-        <p14:creationId xmlns:p14="http://schemas.microsoft.com/office/powerpoint/2010/main" val="118605947"/>
+        <p14:creationId xmlns:p14="http://schemas.microsoft.com/office/powerpoint/2010/main" val="1405815930"/>
       </p:ext>
     </p:extLst>
   </p:cSld>
@@ -5862,7 +5580,7 @@
           <p:cNvPr id="2" name="标题 1">
             <a:extLst>
               <a:ext uri="{FF2B5EF4-FFF2-40B4-BE49-F238E27FC236}">
-                <a16:creationId xmlns:a16="http://schemas.microsoft.com/office/drawing/2014/main" id="{B2AAB4F3-2536-1A0F-C5AA-7B7FD8651263}"/>
+                <a16:creationId xmlns:a16="http://schemas.microsoft.com/office/drawing/2014/main" id="{851A0983-3DE0-3467-F758-B36B224B4558}"/>
               </a:ext>
             </a:extLst>
           </p:cNvPr>
@@ -5879,13 +5597,16 @@
           <a:lstStyle/>
           <a:p>
             <a:r>
-              <a:rPr lang="en-US" altLang="zh-CN" dirty="0"/>
-              <a:t>Entity </a:t>
-            </a:r>
-            <a:r>
-              <a:rPr lang="zh-CN" altLang="en-US" dirty="0"/>
-              <a:t>大致介绍</a:t>
-            </a:r>
+              <a:rPr lang="en-US" altLang="zh-CN" b="0" dirty="0" err="1">
+                <a:solidFill>
+                  <a:srgbClr val="4EC9B0"/>
+                </a:solidFill>
+                <a:effectLst/>
+                <a:latin typeface="Consolas" panose="020B0609020204030204" pitchFamily="49" charset="0"/>
+              </a:rPr>
+              <a:t>CDOTABaseAbility</a:t>
+            </a:r>
+            <a:endParaRPr lang="zh-CN" altLang="en-US" dirty="0"/>
           </a:p>
         </p:txBody>
       </p:sp>
@@ -5894,7 +5615,7 @@
           <p:cNvPr id="3" name="内容占位符 2">
             <a:extLst>
               <a:ext uri="{FF2B5EF4-FFF2-40B4-BE49-F238E27FC236}">
-                <a16:creationId xmlns:a16="http://schemas.microsoft.com/office/drawing/2014/main" id="{3009357A-5109-3830-5BE4-05DDCA3D362D}"/>
+                <a16:creationId xmlns:a16="http://schemas.microsoft.com/office/drawing/2014/main" id="{6910976C-6554-755F-A87C-354E11959D06}"/>
               </a:ext>
             </a:extLst>
           </p:cNvPr>
@@ -5907,18 +5628,30 @@
         </p:nvSpPr>
         <p:spPr/>
         <p:txBody>
-          <a:bodyPr/>
-          <a:lstStyle/>
-          <a:p>
-            <a:r>
-              <a:rPr lang="en-US" altLang="zh-CN" b="0" dirty="0" err="1">
-                <a:solidFill>
-                  <a:srgbClr val="4EC9B0"/>
-                </a:solidFill>
-                <a:effectLst/>
-                <a:latin typeface="Consolas" panose="020B0609020204030204" pitchFamily="49" charset="0"/>
-              </a:rPr>
-              <a:t>CEntityInstance</a:t>
+          <a:bodyPr>
+            <a:normAutofit fontScale="55000" lnSpcReduction="20000"/>
+          </a:bodyPr>
+          <a:lstStyle/>
+          <a:p>
+            <a:r>
+              <a:rPr lang="en-US" altLang="zh-CN" b="0" dirty="0" err="1">
+                <a:solidFill>
+                  <a:srgbClr val="4EC9B0"/>
+                </a:solidFill>
+                <a:effectLst/>
+                <a:latin typeface="Consolas" panose="020B0609020204030204" pitchFamily="49" charset="0"/>
+              </a:rPr>
+              <a:t>CDOTA_Ability_Aghanim_Spear</a:t>
+            </a:r>
+            <a:r>
+              <a:rPr lang="en-US" altLang="zh-CN" b="0" dirty="0">
+                <a:solidFill>
+                  <a:srgbClr val="4EC9B0"/>
+                </a:solidFill>
+                <a:effectLst/>
+                <a:latin typeface="Consolas" panose="020B0609020204030204" pitchFamily="49" charset="0"/>
+              </a:rPr>
+              <a:t> // </a:t>
             </a:r>
             <a:r>
               <a:rPr lang="zh-CN" altLang="en-US" b="0" dirty="0">
@@ -5928,155 +5661,299 @@
                 <a:effectLst/>
                 <a:latin typeface="Consolas" panose="020B0609020204030204" pitchFamily="49" charset="0"/>
               </a:rPr>
-              <a:t>：实体实例， </a:t>
-            </a:r>
-            <a:r>
-              <a:rPr lang="en-US" altLang="zh-CN" b="0" dirty="0" err="1">
-                <a:solidFill>
-                  <a:srgbClr val="DCDCAA"/>
-                </a:solidFill>
-                <a:effectLst/>
-                <a:latin typeface="Consolas" panose="020B0609020204030204" pitchFamily="49" charset="0"/>
-              </a:rPr>
-              <a:t>entindex</a:t>
+              <a:t>飞矛</a:t>
+            </a:r>
+            <a:endParaRPr lang="en-US" altLang="zh-CN" b="0" dirty="0">
+              <a:solidFill>
+                <a:srgbClr val="D4D4D4"/>
+              </a:solidFill>
+              <a:effectLst/>
+              <a:latin typeface="Consolas" panose="020B0609020204030204" pitchFamily="49" charset="0"/>
+            </a:endParaRPr>
+          </a:p>
+          <a:p>
+            <a:r>
+              <a:rPr lang="en-US" altLang="zh-CN" b="0" dirty="0" err="1">
+                <a:solidFill>
+                  <a:srgbClr val="4EC9B0"/>
+                </a:solidFill>
+                <a:effectLst/>
+                <a:latin typeface="Consolas" panose="020B0609020204030204" pitchFamily="49" charset="0"/>
+              </a:rPr>
+              <a:t>CDOTA_Ability_Animation_Attack</a:t>
+            </a:r>
+            <a:endParaRPr lang="en-US" altLang="zh-CN" b="0" dirty="0">
+              <a:solidFill>
+                <a:srgbClr val="D4D4D4"/>
+              </a:solidFill>
+              <a:effectLst/>
+              <a:latin typeface="Consolas" panose="020B0609020204030204" pitchFamily="49" charset="0"/>
+            </a:endParaRPr>
+          </a:p>
+          <a:p>
+            <a:r>
+              <a:rPr lang="en-US" altLang="zh-CN" b="0" dirty="0" err="1">
+                <a:solidFill>
+                  <a:srgbClr val="4EC9B0"/>
+                </a:solidFill>
+                <a:effectLst/>
+                <a:latin typeface="Consolas" panose="020B0609020204030204" pitchFamily="49" charset="0"/>
+              </a:rPr>
+              <a:t>CDOTA_Ability_Animation_TailSpin</a:t>
+            </a:r>
+            <a:r>
+              <a:rPr lang="en-US" altLang="zh-CN" b="0" dirty="0">
+                <a:solidFill>
+                  <a:srgbClr val="4EC9B0"/>
+                </a:solidFill>
+                <a:effectLst/>
+                <a:latin typeface="Consolas" panose="020B0609020204030204" pitchFamily="49" charset="0"/>
+              </a:rPr>
+              <a:t> // </a:t>
             </a:r>
             <a:r>
               <a:rPr lang="zh-CN" altLang="en-US" b="0" dirty="0">
                 <a:solidFill>
-                  <a:srgbClr val="DCDCAA"/>
-                </a:solidFill>
-                <a:effectLst/>
-                <a:latin typeface="Consolas" panose="020B0609020204030204" pitchFamily="49" charset="0"/>
-              </a:rPr>
-              <a:t>，</a:t>
+                  <a:srgbClr val="4EC9B0"/>
+                </a:solidFill>
+                <a:effectLst/>
+                <a:latin typeface="Consolas" panose="020B0609020204030204" pitchFamily="49" charset="0"/>
+              </a:rPr>
+              <a:t>尾部旋转</a:t>
+            </a:r>
+            <a:endParaRPr lang="en-US" altLang="zh-CN" b="0" dirty="0">
+              <a:solidFill>
+                <a:srgbClr val="D4D4D4"/>
+              </a:solidFill>
+              <a:effectLst/>
+              <a:latin typeface="Consolas" panose="020B0609020204030204" pitchFamily="49" charset="0"/>
+            </a:endParaRPr>
+          </a:p>
+          <a:p>
+            <a:r>
+              <a:rPr lang="en-US" altLang="zh-CN" b="0" dirty="0" err="1">
+                <a:solidFill>
+                  <a:srgbClr val="4EC9B0"/>
+                </a:solidFill>
+                <a:effectLst/>
+                <a:latin typeface="Consolas" panose="020B0609020204030204" pitchFamily="49" charset="0"/>
+              </a:rPr>
+              <a:t>CDOTA_Ability_DataDriven</a:t>
             </a:r>
             <a:r>
               <a:rPr lang="en-US" altLang="zh-CN" b="0" dirty="0">
                 <a:solidFill>
-                  <a:srgbClr val="DCDCAA"/>
-                </a:solidFill>
-                <a:effectLst/>
-                <a:latin typeface="Consolas" panose="020B0609020204030204" pitchFamily="49" charset="0"/>
-              </a:rPr>
-              <a:t> </a:t>
-            </a:r>
-            <a:r>
-              <a:rPr lang="en-US" altLang="zh-CN" b="0" dirty="0" err="1">
-                <a:solidFill>
-                  <a:srgbClr val="DCDCAA"/>
-                </a:solidFill>
-                <a:effectLst/>
-                <a:latin typeface="Consolas" panose="020B0609020204030204" pitchFamily="49" charset="0"/>
-              </a:rPr>
-              <a:t>GetClassname</a:t>
+                  <a:srgbClr val="4EC9B0"/>
+                </a:solidFill>
+                <a:effectLst/>
+                <a:latin typeface="Consolas" panose="020B0609020204030204" pitchFamily="49" charset="0"/>
+              </a:rPr>
+              <a:t> // </a:t>
             </a:r>
             <a:r>
               <a:rPr lang="zh-CN" altLang="en-US" b="0" dirty="0">
                 <a:solidFill>
-                  <a:srgbClr val="DCDCAA"/>
-                </a:solidFill>
-                <a:effectLst/>
-                <a:latin typeface="Consolas" panose="020B0609020204030204" pitchFamily="49" charset="0"/>
-              </a:rPr>
-              <a:t>，</a:t>
+                  <a:srgbClr val="4EC9B0"/>
+                </a:solidFill>
+                <a:effectLst/>
+                <a:latin typeface="Consolas" panose="020B0609020204030204" pitchFamily="49" charset="0"/>
+              </a:rPr>
+              <a:t>数据驱动</a:t>
+            </a:r>
+            <a:endParaRPr lang="en-US" altLang="zh-CN" b="0" dirty="0">
+              <a:solidFill>
+                <a:srgbClr val="D4D4D4"/>
+              </a:solidFill>
+              <a:effectLst/>
+              <a:latin typeface="Consolas" panose="020B0609020204030204" pitchFamily="49" charset="0"/>
+            </a:endParaRPr>
+          </a:p>
+          <a:p>
+            <a:r>
+              <a:rPr lang="en-US" altLang="zh-CN" b="0" dirty="0" err="1">
+                <a:solidFill>
+                  <a:srgbClr val="4EC9B0"/>
+                </a:solidFill>
+                <a:effectLst/>
+                <a:latin typeface="Consolas" panose="020B0609020204030204" pitchFamily="49" charset="0"/>
+              </a:rPr>
+              <a:t>CDOTA_Ability_Lua</a:t>
+            </a:r>
+            <a:endParaRPr lang="en-US" altLang="zh-CN" b="0" dirty="0">
+              <a:solidFill>
+                <a:srgbClr val="4EC9B0"/>
+              </a:solidFill>
+              <a:effectLst/>
+              <a:latin typeface="Consolas" panose="020B0609020204030204" pitchFamily="49" charset="0"/>
+            </a:endParaRPr>
+          </a:p>
+          <a:p>
+            <a:pPr lvl="1"/>
+            <a:r>
+              <a:rPr lang="en-US" altLang="zh-CN" b="0" dirty="0" err="1">
+                <a:solidFill>
+                  <a:srgbClr val="4EC9B0"/>
+                </a:solidFill>
+                <a:effectLst/>
+                <a:latin typeface="Consolas" panose="020B0609020204030204" pitchFamily="49" charset="0"/>
+              </a:rPr>
+              <a:t>BaseAbility</a:t>
+            </a:r>
+            <a:endParaRPr lang="en-US" altLang="zh-CN" b="0" dirty="0">
+              <a:solidFill>
+                <a:srgbClr val="D4D4D4"/>
+              </a:solidFill>
+              <a:effectLst/>
+              <a:latin typeface="Consolas" panose="020B0609020204030204" pitchFamily="49" charset="0"/>
+            </a:endParaRPr>
+          </a:p>
+          <a:p>
+            <a:pPr lvl="1"/>
+            <a:endParaRPr lang="en-US" altLang="zh-CN" b="0" dirty="0">
+              <a:solidFill>
+                <a:srgbClr val="D4D4D4"/>
+              </a:solidFill>
+              <a:effectLst/>
+              <a:latin typeface="Consolas" panose="020B0609020204030204" pitchFamily="49" charset="0"/>
+            </a:endParaRPr>
+          </a:p>
+          <a:p>
+            <a:r>
+              <a:rPr lang="en-US" altLang="zh-CN" b="0" dirty="0" err="1">
+                <a:solidFill>
+                  <a:srgbClr val="4EC9B0"/>
+                </a:solidFill>
+                <a:effectLst/>
+                <a:latin typeface="Consolas" panose="020B0609020204030204" pitchFamily="49" charset="0"/>
+              </a:rPr>
+              <a:t>CDOTA_Ability_Nian_Dive</a:t>
             </a:r>
             <a:r>
               <a:rPr lang="en-US" altLang="zh-CN" b="0" dirty="0">
                 <a:solidFill>
-                  <a:srgbClr val="DCDCAA"/>
-                </a:solidFill>
-                <a:effectLst/>
-                <a:latin typeface="Consolas" panose="020B0609020204030204" pitchFamily="49" charset="0"/>
-              </a:rPr>
-              <a:t> </a:t>
-            </a:r>
-            <a:r>
-              <a:rPr lang="en-US" altLang="zh-CN" b="0" dirty="0" err="1">
-                <a:solidFill>
-                  <a:srgbClr val="DCDCAA"/>
-                </a:solidFill>
-                <a:effectLst/>
-                <a:latin typeface="Consolas" panose="020B0609020204030204" pitchFamily="49" charset="0"/>
-              </a:rPr>
-              <a:t>GetDebugName</a:t>
+                  <a:srgbClr val="4EC9B0"/>
+                </a:solidFill>
+                <a:effectLst/>
+                <a:latin typeface="Consolas" panose="020B0609020204030204" pitchFamily="49" charset="0"/>
+              </a:rPr>
+              <a:t> //</a:t>
             </a:r>
             <a:r>
               <a:rPr lang="zh-CN" altLang="en-US" b="0" dirty="0">
                 <a:solidFill>
-                  <a:srgbClr val="DCDCAA"/>
-                </a:solidFill>
-                <a:effectLst/>
-                <a:latin typeface="Consolas" panose="020B0609020204030204" pitchFamily="49" charset="0"/>
-              </a:rPr>
-              <a:t>，</a:t>
+                  <a:srgbClr val="4EC9B0"/>
+                </a:solidFill>
+                <a:effectLst/>
+                <a:latin typeface="Consolas" panose="020B0609020204030204" pitchFamily="49" charset="0"/>
+              </a:rPr>
+              <a:t>潜水</a:t>
+            </a:r>
+            <a:endParaRPr lang="en-US" altLang="zh-CN" b="0" dirty="0">
+              <a:solidFill>
+                <a:srgbClr val="D4D4D4"/>
+              </a:solidFill>
+              <a:effectLst/>
+              <a:latin typeface="Consolas" panose="020B0609020204030204" pitchFamily="49" charset="0"/>
+            </a:endParaRPr>
+          </a:p>
+          <a:p>
+            <a:r>
+              <a:rPr lang="en-US" altLang="zh-CN" b="0" dirty="0" err="1">
+                <a:solidFill>
+                  <a:srgbClr val="4EC9B0"/>
+                </a:solidFill>
+                <a:effectLst/>
+                <a:latin typeface="Consolas" panose="020B0609020204030204" pitchFamily="49" charset="0"/>
+              </a:rPr>
+              <a:t>CDOTA_Ability_Nian_Leap</a:t>
             </a:r>
             <a:r>
               <a:rPr lang="en-US" altLang="zh-CN" b="0" dirty="0">
                 <a:solidFill>
-                  <a:srgbClr val="DCDCAA"/>
-                </a:solidFill>
-                <a:effectLst/>
-                <a:latin typeface="Consolas" panose="020B0609020204030204" pitchFamily="49" charset="0"/>
-              </a:rPr>
-              <a:t> Destroy</a:t>
+                  <a:srgbClr val="4EC9B0"/>
+                </a:solidFill>
+                <a:effectLst/>
+                <a:latin typeface="Consolas" panose="020B0609020204030204" pitchFamily="49" charset="0"/>
+              </a:rPr>
+              <a:t> // </a:t>
             </a:r>
             <a:r>
               <a:rPr lang="zh-CN" altLang="en-US" b="0" dirty="0">
                 <a:solidFill>
-                  <a:srgbClr val="DCDCAA"/>
-                </a:solidFill>
-                <a:effectLst/>
-                <a:latin typeface="Consolas" panose="020B0609020204030204" pitchFamily="49" charset="0"/>
-              </a:rPr>
-              <a:t>，</a:t>
+                  <a:srgbClr val="4EC9B0"/>
+                </a:solidFill>
+                <a:effectLst/>
+                <a:latin typeface="Consolas" panose="020B0609020204030204" pitchFamily="49" charset="0"/>
+              </a:rPr>
+              <a:t>冲</a:t>
+            </a:r>
+            <a:endParaRPr lang="en-US" altLang="zh-CN" b="0" dirty="0">
+              <a:solidFill>
+                <a:srgbClr val="D4D4D4"/>
+              </a:solidFill>
+              <a:effectLst/>
+              <a:latin typeface="Consolas" panose="020B0609020204030204" pitchFamily="49" charset="0"/>
+            </a:endParaRPr>
+          </a:p>
+          <a:p>
+            <a:r>
+              <a:rPr lang="en-US" altLang="zh-CN" b="0" dirty="0" err="1">
+                <a:solidFill>
+                  <a:srgbClr val="4EC9B0"/>
+                </a:solidFill>
+                <a:effectLst/>
+                <a:latin typeface="Consolas" panose="020B0609020204030204" pitchFamily="49" charset="0"/>
+              </a:rPr>
+              <a:t>CDOTA_Ability_Nian_Roar</a:t>
             </a:r>
             <a:r>
               <a:rPr lang="en-US" altLang="zh-CN" b="0" dirty="0">
                 <a:solidFill>
-                  <a:srgbClr val="DCDCAA"/>
-                </a:solidFill>
-                <a:effectLst/>
-                <a:latin typeface="Consolas" panose="020B0609020204030204" pitchFamily="49" charset="0"/>
-              </a:rPr>
-              <a:t> </a:t>
-            </a:r>
-            <a:r>
-              <a:rPr lang="en-US" altLang="zh-CN" b="0" dirty="0" err="1">
-                <a:solidFill>
-                  <a:srgbClr val="DCDCAA"/>
-                </a:solidFill>
-                <a:effectLst/>
-                <a:latin typeface="Consolas" panose="020B0609020204030204" pitchFamily="49" charset="0"/>
-              </a:rPr>
-              <a:t>RemoveSelf</a:t>
-            </a:r>
-            <a:br>
+                  <a:srgbClr val="4EC9B0"/>
+                </a:solidFill>
+                <a:effectLst/>
+                <a:latin typeface="Consolas" panose="020B0609020204030204" pitchFamily="49" charset="0"/>
+              </a:rPr>
+              <a:t> // </a:t>
+            </a:r>
+            <a:r>
+              <a:rPr lang="zh-CN" altLang="en-US" b="0" dirty="0">
+                <a:solidFill>
+                  <a:srgbClr val="4EC9B0"/>
+                </a:solidFill>
+                <a:effectLst/>
+                <a:latin typeface="Consolas" panose="020B0609020204030204" pitchFamily="49" charset="0"/>
+              </a:rPr>
+              <a:t>咆哮</a:t>
+            </a:r>
+            <a:endParaRPr lang="en-US" altLang="zh-CN" b="0" dirty="0">
+              <a:solidFill>
+                <a:srgbClr val="D4D4D4"/>
+              </a:solidFill>
+              <a:effectLst/>
+              <a:latin typeface="Consolas" panose="020B0609020204030204" pitchFamily="49" charset="0"/>
+            </a:endParaRPr>
+          </a:p>
+          <a:p>
+            <a:r>
+              <a:rPr lang="en-US" altLang="zh-CN" b="0" dirty="0" err="1">
+                <a:solidFill>
+                  <a:srgbClr val="4EC9B0"/>
+                </a:solidFill>
+                <a:effectLst/>
+                <a:latin typeface="Consolas" panose="020B0609020204030204" pitchFamily="49" charset="0"/>
+              </a:rPr>
+              <a:t>CDOTA_AghsFort_Ability_ArcWardenBoss_TempestDouble</a:t>
+            </a:r>
+            <a:r>
               <a:rPr lang="en-US" altLang="zh-CN" b="0" dirty="0">
                 <a:solidFill>
-                  <a:srgbClr val="DCDCAA"/>
-                </a:solidFill>
-                <a:effectLst/>
-                <a:latin typeface="Consolas" panose="020B0609020204030204" pitchFamily="49" charset="0"/>
-              </a:rPr>
-            </a:br>
-            <a:endParaRPr lang="en-US" altLang="zh-CN" b="0" dirty="0">
-              <a:solidFill>
-                <a:srgbClr val="DCDCAA"/>
-              </a:solidFill>
-              <a:effectLst/>
-              <a:latin typeface="Consolas" panose="020B0609020204030204" pitchFamily="49" charset="0"/>
-            </a:endParaRPr>
-          </a:p>
-          <a:p>
-            <a:r>
-              <a:rPr lang="en-US" altLang="zh-CN" b="0" dirty="0" err="1">
-                <a:solidFill>
-                  <a:srgbClr val="4EC9B0"/>
-                </a:solidFill>
-                <a:effectLst/>
-                <a:latin typeface="Consolas" panose="020B0609020204030204" pitchFamily="49" charset="0"/>
-              </a:rPr>
-              <a:t>CBaseEntity</a:t>
+                  <a:srgbClr val="4EC9B0"/>
+                </a:solidFill>
+                <a:effectLst/>
+                <a:latin typeface="Consolas" panose="020B0609020204030204" pitchFamily="49" charset="0"/>
+              </a:rPr>
+              <a:t> // </a:t>
             </a:r>
             <a:r>
               <a:rPr lang="zh-CN" altLang="en-US" b="0" dirty="0">
@@ -6086,114 +5963,8 @@
                 <a:effectLst/>
                 <a:latin typeface="Consolas" panose="020B0609020204030204" pitchFamily="49" charset="0"/>
               </a:rPr>
-              <a:t>：边界、位置、方向、添加</a:t>
-            </a:r>
-            <a:r>
-              <a:rPr lang="en-US" altLang="zh-CN" b="0" dirty="0">
-                <a:solidFill>
-                  <a:srgbClr val="4EC9B0"/>
-                </a:solidFill>
-                <a:effectLst/>
-                <a:latin typeface="Consolas" panose="020B0609020204030204" pitchFamily="49" charset="0"/>
-              </a:rPr>
-              <a:t>/</a:t>
-            </a:r>
-            <a:r>
-              <a:rPr lang="zh-CN" altLang="en-US" b="0" dirty="0">
-                <a:solidFill>
-                  <a:srgbClr val="4EC9B0"/>
-                </a:solidFill>
-                <a:effectLst/>
-                <a:latin typeface="Consolas" panose="020B0609020204030204" pitchFamily="49" charset="0"/>
-              </a:rPr>
-              <a:t>移除特效、属性、视野、</a:t>
-            </a:r>
-            <a:r>
-              <a:rPr lang="en-US" altLang="zh-CN" b="0" dirty="0">
-                <a:solidFill>
-                  <a:srgbClr val="DCDCAA"/>
-                </a:solidFill>
-                <a:effectLst/>
-                <a:latin typeface="Consolas" panose="020B0609020204030204" pitchFamily="49" charset="0"/>
-              </a:rPr>
-              <a:t> </a:t>
-            </a:r>
-            <a:r>
-              <a:rPr lang="en-US" altLang="zh-CN" b="0" dirty="0" err="1">
-                <a:solidFill>
-                  <a:srgbClr val="DCDCAA"/>
-                </a:solidFill>
-                <a:effectLst/>
-                <a:latin typeface="Consolas" panose="020B0609020204030204" pitchFamily="49" charset="0"/>
-              </a:rPr>
-              <a:t>GetChildren</a:t>
-            </a:r>
-            <a:r>
-              <a:rPr lang="zh-CN" altLang="en-US" b="0" dirty="0">
-                <a:solidFill>
-                  <a:srgbClr val="DCDCAA"/>
-                </a:solidFill>
-                <a:effectLst/>
-                <a:latin typeface="Consolas" panose="020B0609020204030204" pitchFamily="49" charset="0"/>
-              </a:rPr>
-              <a:t>、拥有者、队伍、</a:t>
-            </a:r>
-            <a:r>
-              <a:rPr lang="en-US" altLang="zh-CN" b="0" dirty="0" err="1">
-                <a:solidFill>
-                  <a:srgbClr val="DCDCAA"/>
-                </a:solidFill>
-                <a:effectLst/>
-                <a:latin typeface="Consolas" panose="020B0609020204030204" pitchFamily="49" charset="0"/>
-              </a:rPr>
-              <a:t>IsNpc,IsPlayer</a:t>
-            </a:r>
-            <a:r>
-              <a:rPr lang="zh-CN" altLang="en-US" dirty="0">
-                <a:solidFill>
-                  <a:srgbClr val="DCDCAA"/>
-                </a:solidFill>
-                <a:latin typeface="Consolas" panose="020B0609020204030204" pitchFamily="49" charset="0"/>
-              </a:rPr>
-              <a:t>、</a:t>
-            </a:r>
-            <a:r>
-              <a:rPr lang="en-US" altLang="zh-CN" b="0" dirty="0">
-                <a:solidFill>
-                  <a:srgbClr val="DCDCAA"/>
-                </a:solidFill>
-                <a:effectLst/>
-                <a:latin typeface="Consolas" panose="020B0609020204030204" pitchFamily="49" charset="0"/>
-              </a:rPr>
-              <a:t> Kill</a:t>
-            </a:r>
-            <a:r>
-              <a:rPr lang="zh-CN" altLang="en-US" b="0" dirty="0">
-                <a:solidFill>
-                  <a:srgbClr val="DCDCAA"/>
-                </a:solidFill>
-                <a:effectLst/>
-                <a:latin typeface="Consolas" panose="020B0609020204030204" pitchFamily="49" charset="0"/>
-              </a:rPr>
-              <a:t>、质量、摩擦、重力、播放声音</a:t>
-            </a:r>
-            <a:endParaRPr lang="en-US" altLang="zh-CN" b="0" dirty="0">
-              <a:solidFill>
-                <a:srgbClr val="DCDCAA"/>
-              </a:solidFill>
-              <a:effectLst/>
-              <a:latin typeface="Consolas" panose="020B0609020204030204" pitchFamily="49" charset="0"/>
-            </a:endParaRPr>
-          </a:p>
-          <a:p>
-            <a:endParaRPr lang="en-US" altLang="zh-CN" dirty="0">
-              <a:solidFill>
-                <a:srgbClr val="DCDCAA"/>
-              </a:solidFill>
-              <a:latin typeface="Consolas" panose="020B0609020204030204" pitchFamily="49" charset="0"/>
-            </a:endParaRPr>
-          </a:p>
-          <a:p>
+              <a:t>暴风雪</a:t>
+            </a:r>
             <a:endParaRPr lang="en-US" altLang="zh-CN" b="0" dirty="0">
               <a:solidFill>
                 <a:srgbClr val="D4D4D4"/>
@@ -6203,6 +5974,36 @@
             </a:endParaRPr>
           </a:p>
           <a:p>
+            <a:r>
+              <a:rPr lang="en-US" altLang="zh-CN" b="0" dirty="0" err="1">
+                <a:solidFill>
+                  <a:srgbClr val="4EC9B0"/>
+                </a:solidFill>
+                <a:effectLst/>
+                <a:latin typeface="Consolas" panose="020B0609020204030204" pitchFamily="49" charset="0"/>
+              </a:rPr>
+              <a:t>CDOTA_Item</a:t>
+            </a:r>
+            <a:endParaRPr lang="en-US" altLang="zh-CN" b="0" dirty="0">
+              <a:solidFill>
+                <a:srgbClr val="4EC9B0"/>
+              </a:solidFill>
+              <a:effectLst/>
+              <a:latin typeface="Consolas" panose="020B0609020204030204" pitchFamily="49" charset="0"/>
+            </a:endParaRPr>
+          </a:p>
+          <a:p>
+            <a:pPr lvl="1"/>
+            <a:r>
+              <a:rPr lang="en-US" altLang="zh-CN" b="0" dirty="0" err="1">
+                <a:solidFill>
+                  <a:srgbClr val="4EC9B0"/>
+                </a:solidFill>
+                <a:effectLst/>
+                <a:latin typeface="Consolas" panose="020B0609020204030204" pitchFamily="49" charset="0"/>
+              </a:rPr>
+              <a:t>CDOTA_Item_BagOfGold</a:t>
+            </a:r>
             <a:endParaRPr lang="en-US" altLang="zh-CN" b="0" dirty="0">
               <a:solidFill>
                 <a:srgbClr val="D4D4D4"/>
@@ -6212,6 +6013,17 @@
             </a:endParaRPr>
           </a:p>
           <a:p>
+            <a:pPr lvl="1"/>
+            <a:r>
+              <a:rPr lang="en-US" altLang="zh-CN" b="0" dirty="0" err="1">
+                <a:solidFill>
+                  <a:srgbClr val="4EC9B0"/>
+                </a:solidFill>
+                <a:effectLst/>
+                <a:latin typeface="Consolas" panose="020B0609020204030204" pitchFamily="49" charset="0"/>
+              </a:rPr>
+              <a:t>CDOTA_Item_DataDriven</a:t>
+            </a:r>
             <a:endParaRPr lang="en-US" altLang="zh-CN" b="0" dirty="0">
               <a:solidFill>
                 <a:srgbClr val="D4D4D4"/>
@@ -6221,6 +6033,17 @@
             </a:endParaRPr>
           </a:p>
           <a:p>
+            <a:pPr lvl="1"/>
+            <a:r>
+              <a:rPr lang="en-US" altLang="zh-CN" b="0" dirty="0" err="1">
+                <a:solidFill>
+                  <a:srgbClr val="4EC9B0"/>
+                </a:solidFill>
+                <a:effectLst/>
+                <a:latin typeface="Consolas" panose="020B0609020204030204" pitchFamily="49" charset="0"/>
+              </a:rPr>
+              <a:t>CDOTA_Item_EmptyBottle</a:t>
+            </a:r>
             <a:endParaRPr lang="en-US" altLang="zh-CN" b="0" dirty="0">
               <a:solidFill>
                 <a:srgbClr val="D4D4D4"/>
@@ -6230,6 +6053,37 @@
             </a:endParaRPr>
           </a:p>
           <a:p>
+            <a:pPr lvl="1"/>
+            <a:r>
+              <a:rPr lang="en-US" altLang="zh-CN" b="0" dirty="0" err="1">
+                <a:solidFill>
+                  <a:srgbClr val="4EC9B0"/>
+                </a:solidFill>
+                <a:effectLst/>
+                <a:latin typeface="Consolas" panose="020B0609020204030204" pitchFamily="49" charset="0"/>
+              </a:rPr>
+              <a:t>CDOTA_Item_Lua</a:t>
+            </a:r>
+            <a:endParaRPr lang="en-US" altLang="zh-CN" b="0" dirty="0">
+              <a:solidFill>
+                <a:srgbClr val="4EC9B0"/>
+              </a:solidFill>
+              <a:effectLst/>
+              <a:latin typeface="Consolas" panose="020B0609020204030204" pitchFamily="49" charset="0"/>
+            </a:endParaRPr>
+          </a:p>
+          <a:p>
+            <a:pPr lvl="2"/>
+            <a:r>
+              <a:rPr lang="en-US" altLang="zh-CN" b="0" dirty="0" err="1">
+                <a:solidFill>
+                  <a:srgbClr val="4EC9B0"/>
+                </a:solidFill>
+                <a:effectLst/>
+                <a:latin typeface="Consolas" panose="020B0609020204030204" pitchFamily="49" charset="0"/>
+              </a:rPr>
+              <a:t>BaseItem</a:t>
+            </a:r>
             <a:endParaRPr lang="en-US" altLang="zh-CN" b="0" dirty="0">
               <a:solidFill>
                 <a:srgbClr val="D4D4D4"/>
@@ -6239,6 +6093,7 @@
             </a:endParaRPr>
           </a:p>
           <a:p>
+            <a:pPr lvl="2"/>
             <a:endParaRPr lang="en-US" altLang="zh-CN" b="0" dirty="0">
               <a:solidFill>
                 <a:srgbClr val="D4D4D4"/>
@@ -6248,15 +6103,7 @@
             </a:endParaRPr>
           </a:p>
           <a:p>
-            <a:endParaRPr lang="en-US" altLang="zh-CN" b="0" dirty="0">
-              <a:solidFill>
-                <a:srgbClr val="D4D4D4"/>
-              </a:solidFill>
-              <a:effectLst/>
-              <a:latin typeface="Consolas" panose="020B0609020204030204" pitchFamily="49" charset="0"/>
-            </a:endParaRPr>
-          </a:p>
-          <a:p>
+            <a:pPr lvl="1"/>
             <a:endParaRPr lang="en-US" altLang="zh-CN" b="0" dirty="0">
               <a:solidFill>
                 <a:srgbClr val="D4D4D4"/>
@@ -6273,7 +6120,7 @@
     </p:spTree>
     <p:extLst>
       <p:ext uri="{BB962C8B-B14F-4D97-AF65-F5344CB8AC3E}">
-        <p14:creationId xmlns:p14="http://schemas.microsoft.com/office/powerpoint/2010/main" val="2645886099"/>
+        <p14:creationId xmlns:p14="http://schemas.microsoft.com/office/powerpoint/2010/main" val="118605947"/>
       </p:ext>
     </p:extLst>
   </p:cSld>
@@ -6547,6 +6394,486 @@
     <p:extLst>
       <p:ext uri="{BB962C8B-B14F-4D97-AF65-F5344CB8AC3E}">
         <p14:creationId xmlns:p14="http://schemas.microsoft.com/office/powerpoint/2010/main" val="1689571984"/>
+      </p:ext>
+    </p:extLst>
+  </p:cSld>
+  <p:clrMapOvr>
+    <a:masterClrMapping/>
+  </p:clrMapOvr>
+</p:sld>
+</file>
+
+<file path=ppt/slides/slide9.xml><?xml version="1.0" encoding="utf-8"?>
+<p:sld xmlns:a="http://schemas.openxmlformats.org/drawingml/2006/main" xmlns:r="http://schemas.openxmlformats.org/officeDocument/2006/relationships" xmlns:p="http://schemas.openxmlformats.org/presentationml/2006/main">
+  <p:cSld>
+    <p:spTree>
+      <p:nvGrpSpPr>
+        <p:cNvPr id="1" name=""/>
+        <p:cNvGrpSpPr/>
+        <p:nvPr/>
+      </p:nvGrpSpPr>
+      <p:grpSpPr>
+        <a:xfrm>
+          <a:off x="0" y="0"/>
+          <a:ext cx="0" cy="0"/>
+          <a:chOff x="0" y="0"/>
+          <a:chExt cx="0" cy="0"/>
+        </a:xfrm>
+      </p:grpSpPr>
+      <p:sp>
+        <p:nvSpPr>
+          <p:cNvPr id="2" name="标题 1">
+            <a:extLst>
+              <a:ext uri="{FF2B5EF4-FFF2-40B4-BE49-F238E27FC236}">
+                <a16:creationId xmlns:a16="http://schemas.microsoft.com/office/drawing/2014/main" id="{B2AAB4F3-2536-1A0F-C5AA-7B7FD8651263}"/>
+              </a:ext>
+            </a:extLst>
+          </p:cNvPr>
+          <p:cNvSpPr>
+            <a:spLocks noGrp="1"/>
+          </p:cNvSpPr>
+          <p:nvPr>
+            <p:ph type="title"/>
+          </p:nvPr>
+        </p:nvSpPr>
+        <p:spPr/>
+        <p:txBody>
+          <a:bodyPr/>
+          <a:lstStyle/>
+          <a:p>
+            <a:r>
+              <a:rPr lang="en-US" altLang="zh-CN" dirty="0"/>
+              <a:t>Entity </a:t>
+            </a:r>
+            <a:r>
+              <a:rPr lang="zh-CN" altLang="en-US" dirty="0"/>
+              <a:t>大致介绍</a:t>
+            </a:r>
+          </a:p>
+        </p:txBody>
+      </p:sp>
+      <p:sp>
+        <p:nvSpPr>
+          <p:cNvPr id="3" name="内容占位符 2">
+            <a:extLst>
+              <a:ext uri="{FF2B5EF4-FFF2-40B4-BE49-F238E27FC236}">
+                <a16:creationId xmlns:a16="http://schemas.microsoft.com/office/drawing/2014/main" id="{3009357A-5109-3830-5BE4-05DDCA3D362D}"/>
+              </a:ext>
+            </a:extLst>
+          </p:cNvPr>
+          <p:cNvSpPr>
+            <a:spLocks noGrp="1"/>
+          </p:cNvSpPr>
+          <p:nvPr>
+            <p:ph idx="1"/>
+          </p:nvPr>
+        </p:nvSpPr>
+        <p:spPr/>
+        <p:txBody>
+          <a:bodyPr/>
+          <a:lstStyle/>
+          <a:p>
+            <a:r>
+              <a:rPr lang="en-US" altLang="zh-CN" b="0" dirty="0" err="1">
+                <a:solidFill>
+                  <a:srgbClr val="4EC9B0"/>
+                </a:solidFill>
+                <a:effectLst/>
+                <a:latin typeface="Consolas" panose="020B0609020204030204" pitchFamily="49" charset="0"/>
+              </a:rPr>
+              <a:t>CEntityInstance</a:t>
+            </a:r>
+            <a:r>
+              <a:rPr lang="zh-CN" altLang="en-US" b="0" dirty="0">
+                <a:solidFill>
+                  <a:srgbClr val="4EC9B0"/>
+                </a:solidFill>
+                <a:effectLst/>
+                <a:latin typeface="Consolas" panose="020B0609020204030204" pitchFamily="49" charset="0"/>
+              </a:rPr>
+              <a:t>：实体实例， </a:t>
+            </a:r>
+            <a:r>
+              <a:rPr lang="en-US" altLang="zh-CN" b="0" dirty="0" err="1">
+                <a:solidFill>
+                  <a:srgbClr val="DCDCAA"/>
+                </a:solidFill>
+                <a:effectLst/>
+                <a:latin typeface="Consolas" panose="020B0609020204030204" pitchFamily="49" charset="0"/>
+              </a:rPr>
+              <a:t>entindex</a:t>
+            </a:r>
+            <a:r>
+              <a:rPr lang="zh-CN" altLang="en-US" b="0" dirty="0">
+                <a:solidFill>
+                  <a:srgbClr val="DCDCAA"/>
+                </a:solidFill>
+                <a:effectLst/>
+                <a:latin typeface="Consolas" panose="020B0609020204030204" pitchFamily="49" charset="0"/>
+              </a:rPr>
+              <a:t>，</a:t>
+            </a:r>
+            <a:r>
+              <a:rPr lang="en-US" altLang="zh-CN" b="0" dirty="0">
+                <a:solidFill>
+                  <a:srgbClr val="DCDCAA"/>
+                </a:solidFill>
+                <a:effectLst/>
+                <a:latin typeface="Consolas" panose="020B0609020204030204" pitchFamily="49" charset="0"/>
+              </a:rPr>
+              <a:t> </a:t>
+            </a:r>
+            <a:r>
+              <a:rPr lang="en-US" altLang="zh-CN" b="0" dirty="0" err="1">
+                <a:solidFill>
+                  <a:srgbClr val="DCDCAA"/>
+                </a:solidFill>
+                <a:effectLst/>
+                <a:latin typeface="Consolas" panose="020B0609020204030204" pitchFamily="49" charset="0"/>
+              </a:rPr>
+              <a:t>GetClassname</a:t>
+            </a:r>
+            <a:r>
+              <a:rPr lang="zh-CN" altLang="en-US" b="0" dirty="0">
+                <a:solidFill>
+                  <a:srgbClr val="DCDCAA"/>
+                </a:solidFill>
+                <a:effectLst/>
+                <a:latin typeface="Consolas" panose="020B0609020204030204" pitchFamily="49" charset="0"/>
+              </a:rPr>
+              <a:t>，</a:t>
+            </a:r>
+            <a:r>
+              <a:rPr lang="en-US" altLang="zh-CN" b="0" dirty="0">
+                <a:solidFill>
+                  <a:srgbClr val="DCDCAA"/>
+                </a:solidFill>
+                <a:effectLst/>
+                <a:latin typeface="Consolas" panose="020B0609020204030204" pitchFamily="49" charset="0"/>
+              </a:rPr>
+              <a:t> </a:t>
+            </a:r>
+            <a:r>
+              <a:rPr lang="en-US" altLang="zh-CN" b="0" dirty="0" err="1">
+                <a:solidFill>
+                  <a:srgbClr val="DCDCAA"/>
+                </a:solidFill>
+                <a:effectLst/>
+                <a:latin typeface="Consolas" panose="020B0609020204030204" pitchFamily="49" charset="0"/>
+              </a:rPr>
+              <a:t>GetDebugName</a:t>
+            </a:r>
+            <a:r>
+              <a:rPr lang="zh-CN" altLang="en-US" b="0" dirty="0">
+                <a:solidFill>
+                  <a:srgbClr val="DCDCAA"/>
+                </a:solidFill>
+                <a:effectLst/>
+                <a:latin typeface="Consolas" panose="020B0609020204030204" pitchFamily="49" charset="0"/>
+              </a:rPr>
+              <a:t>，</a:t>
+            </a:r>
+            <a:r>
+              <a:rPr lang="en-US" altLang="zh-CN" b="0" dirty="0">
+                <a:solidFill>
+                  <a:srgbClr val="DCDCAA"/>
+                </a:solidFill>
+                <a:effectLst/>
+                <a:latin typeface="Consolas" panose="020B0609020204030204" pitchFamily="49" charset="0"/>
+              </a:rPr>
+              <a:t> Destroy</a:t>
+            </a:r>
+            <a:r>
+              <a:rPr lang="zh-CN" altLang="en-US" b="0" dirty="0">
+                <a:solidFill>
+                  <a:srgbClr val="DCDCAA"/>
+                </a:solidFill>
+                <a:effectLst/>
+                <a:latin typeface="Consolas" panose="020B0609020204030204" pitchFamily="49" charset="0"/>
+              </a:rPr>
+              <a:t>，</a:t>
+            </a:r>
+            <a:r>
+              <a:rPr lang="en-US" altLang="zh-CN" b="0" dirty="0">
+                <a:solidFill>
+                  <a:srgbClr val="DCDCAA"/>
+                </a:solidFill>
+                <a:effectLst/>
+                <a:latin typeface="Consolas" panose="020B0609020204030204" pitchFamily="49" charset="0"/>
+              </a:rPr>
+              <a:t> </a:t>
+            </a:r>
+            <a:r>
+              <a:rPr lang="en-US" altLang="zh-CN" b="0" dirty="0" err="1">
+                <a:solidFill>
+                  <a:srgbClr val="DCDCAA"/>
+                </a:solidFill>
+                <a:effectLst/>
+                <a:latin typeface="Consolas" panose="020B0609020204030204" pitchFamily="49" charset="0"/>
+              </a:rPr>
+              <a:t>RemoveSelf</a:t>
+            </a:r>
+            <a:br>
+              <a:rPr lang="en-US" altLang="zh-CN" b="0" dirty="0">
+                <a:solidFill>
+                  <a:srgbClr val="DCDCAA"/>
+                </a:solidFill>
+                <a:effectLst/>
+                <a:latin typeface="Consolas" panose="020B0609020204030204" pitchFamily="49" charset="0"/>
+              </a:rPr>
+            </a:br>
+            <a:endParaRPr lang="en-US" altLang="zh-CN" b="0" dirty="0">
+              <a:solidFill>
+                <a:srgbClr val="DCDCAA"/>
+              </a:solidFill>
+              <a:effectLst/>
+              <a:latin typeface="Consolas" panose="020B0609020204030204" pitchFamily="49" charset="0"/>
+            </a:endParaRPr>
+          </a:p>
+          <a:p>
+            <a:r>
+              <a:rPr lang="en-US" altLang="zh-CN" b="0" dirty="0" err="1">
+                <a:solidFill>
+                  <a:srgbClr val="4EC9B0"/>
+                </a:solidFill>
+                <a:effectLst/>
+                <a:latin typeface="Consolas" panose="020B0609020204030204" pitchFamily="49" charset="0"/>
+              </a:rPr>
+              <a:t>CBaseEntity</a:t>
+            </a:r>
+            <a:r>
+              <a:rPr lang="zh-CN" altLang="en-US" b="0" dirty="0">
+                <a:solidFill>
+                  <a:srgbClr val="4EC9B0"/>
+                </a:solidFill>
+                <a:effectLst/>
+                <a:latin typeface="Consolas" panose="020B0609020204030204" pitchFamily="49" charset="0"/>
+              </a:rPr>
+              <a:t>：边界、位置、方向、添加</a:t>
+            </a:r>
+            <a:r>
+              <a:rPr lang="en-US" altLang="zh-CN" b="0" dirty="0">
+                <a:solidFill>
+                  <a:srgbClr val="4EC9B0"/>
+                </a:solidFill>
+                <a:effectLst/>
+                <a:latin typeface="Consolas" panose="020B0609020204030204" pitchFamily="49" charset="0"/>
+              </a:rPr>
+              <a:t>/</a:t>
+            </a:r>
+            <a:r>
+              <a:rPr lang="zh-CN" altLang="en-US" b="0" dirty="0">
+                <a:solidFill>
+                  <a:srgbClr val="4EC9B0"/>
+                </a:solidFill>
+                <a:effectLst/>
+                <a:latin typeface="Consolas" panose="020B0609020204030204" pitchFamily="49" charset="0"/>
+              </a:rPr>
+              <a:t>移除特效、属性、视野、</a:t>
+            </a:r>
+            <a:r>
+              <a:rPr lang="en-US" altLang="zh-CN" b="0" dirty="0">
+                <a:solidFill>
+                  <a:srgbClr val="DCDCAA"/>
+                </a:solidFill>
+                <a:effectLst/>
+                <a:latin typeface="Consolas" panose="020B0609020204030204" pitchFamily="49" charset="0"/>
+              </a:rPr>
+              <a:t> </a:t>
+            </a:r>
+            <a:r>
+              <a:rPr lang="en-US" altLang="zh-CN" b="0" dirty="0" err="1">
+                <a:solidFill>
+                  <a:srgbClr val="DCDCAA"/>
+                </a:solidFill>
+                <a:effectLst/>
+                <a:latin typeface="Consolas" panose="020B0609020204030204" pitchFamily="49" charset="0"/>
+              </a:rPr>
+              <a:t>GetChildren</a:t>
+            </a:r>
+            <a:r>
+              <a:rPr lang="zh-CN" altLang="en-US" b="0" dirty="0">
+                <a:solidFill>
+                  <a:srgbClr val="DCDCAA"/>
+                </a:solidFill>
+                <a:effectLst/>
+                <a:latin typeface="Consolas" panose="020B0609020204030204" pitchFamily="49" charset="0"/>
+              </a:rPr>
+              <a:t>、拥有者、队伍、</a:t>
+            </a:r>
+            <a:r>
+              <a:rPr lang="en-US" altLang="zh-CN" b="0" dirty="0" err="1">
+                <a:solidFill>
+                  <a:srgbClr val="DCDCAA"/>
+                </a:solidFill>
+                <a:effectLst/>
+                <a:latin typeface="Consolas" panose="020B0609020204030204" pitchFamily="49" charset="0"/>
+              </a:rPr>
+              <a:t>IsNpc,IsPlayer</a:t>
+            </a:r>
+            <a:r>
+              <a:rPr lang="zh-CN" altLang="en-US" dirty="0">
+                <a:solidFill>
+                  <a:srgbClr val="DCDCAA"/>
+                </a:solidFill>
+                <a:latin typeface="Consolas" panose="020B0609020204030204" pitchFamily="49" charset="0"/>
+              </a:rPr>
+              <a:t>、</a:t>
+            </a:r>
+            <a:r>
+              <a:rPr lang="en-US" altLang="zh-CN" b="0" dirty="0">
+                <a:solidFill>
+                  <a:srgbClr val="DCDCAA"/>
+                </a:solidFill>
+                <a:effectLst/>
+                <a:latin typeface="Consolas" panose="020B0609020204030204" pitchFamily="49" charset="0"/>
+              </a:rPr>
+              <a:t> Kill</a:t>
+            </a:r>
+            <a:r>
+              <a:rPr lang="zh-CN" altLang="en-US" b="0" dirty="0">
+                <a:solidFill>
+                  <a:srgbClr val="DCDCAA"/>
+                </a:solidFill>
+                <a:effectLst/>
+                <a:latin typeface="Consolas" panose="020B0609020204030204" pitchFamily="49" charset="0"/>
+              </a:rPr>
+              <a:t>、质量、摩擦、重力、播放声音</a:t>
+            </a:r>
+            <a:endParaRPr lang="en-US" altLang="zh-CN" b="0" dirty="0">
+              <a:solidFill>
+                <a:srgbClr val="DCDCAA"/>
+              </a:solidFill>
+              <a:effectLst/>
+              <a:latin typeface="Consolas" panose="020B0609020204030204" pitchFamily="49" charset="0"/>
+            </a:endParaRPr>
+          </a:p>
+          <a:p>
+            <a:r>
+              <a:rPr lang="en-US" altLang="zh-CN" b="1" i="0" dirty="0" err="1">
+                <a:solidFill>
+                  <a:srgbClr val="101010"/>
+                </a:solidFill>
+                <a:effectLst/>
+                <a:latin typeface="-apple-system"/>
+              </a:rPr>
+              <a:t>CDOTABaseAbility</a:t>
+            </a:r>
+            <a:r>
+              <a:rPr lang="en-US" altLang="zh-CN" b="1" i="0" dirty="0">
+                <a:solidFill>
+                  <a:srgbClr val="101010"/>
+                </a:solidFill>
+                <a:effectLst/>
+                <a:latin typeface="-apple-system"/>
+              </a:rPr>
+              <a:t> : </a:t>
+            </a:r>
+            <a:endParaRPr lang="en-US" altLang="zh-CN" dirty="0">
+              <a:solidFill>
+                <a:srgbClr val="DCDCAA"/>
+              </a:solidFill>
+              <a:latin typeface="Consolas" panose="020B0609020204030204" pitchFamily="49" charset="0"/>
+            </a:endParaRPr>
+          </a:p>
+          <a:p>
+            <a:endParaRPr lang="en-US" altLang="zh-CN" b="0" dirty="0">
+              <a:solidFill>
+                <a:srgbClr val="DCDCAA"/>
+              </a:solidFill>
+              <a:effectLst/>
+              <a:latin typeface="Consolas" panose="020B0609020204030204" pitchFamily="49" charset="0"/>
+            </a:endParaRPr>
+          </a:p>
+          <a:p>
+            <a:endParaRPr lang="en-US" altLang="zh-CN" dirty="0">
+              <a:solidFill>
+                <a:srgbClr val="DCDCAA"/>
+              </a:solidFill>
+              <a:latin typeface="Consolas" panose="020B0609020204030204" pitchFamily="49" charset="0"/>
+            </a:endParaRPr>
+          </a:p>
+          <a:p>
+            <a:endParaRPr lang="en-US" altLang="zh-CN" b="0" dirty="0">
+              <a:solidFill>
+                <a:srgbClr val="D4D4D4"/>
+              </a:solidFill>
+              <a:effectLst/>
+              <a:latin typeface="Consolas" panose="020B0609020204030204" pitchFamily="49" charset="0"/>
+            </a:endParaRPr>
+          </a:p>
+          <a:p>
+            <a:endParaRPr lang="en-US" altLang="zh-CN" b="0" dirty="0">
+              <a:solidFill>
+                <a:srgbClr val="D4D4D4"/>
+              </a:solidFill>
+              <a:effectLst/>
+              <a:latin typeface="Consolas" panose="020B0609020204030204" pitchFamily="49" charset="0"/>
+            </a:endParaRPr>
+          </a:p>
+          <a:p>
+            <a:endParaRPr lang="en-US" altLang="zh-CN" b="0" dirty="0">
+              <a:solidFill>
+                <a:srgbClr val="D4D4D4"/>
+              </a:solidFill>
+              <a:effectLst/>
+              <a:latin typeface="Consolas" panose="020B0609020204030204" pitchFamily="49" charset="0"/>
+            </a:endParaRPr>
+          </a:p>
+          <a:p>
+            <a:endParaRPr lang="en-US" altLang="zh-CN" b="0" dirty="0">
+              <a:solidFill>
+                <a:srgbClr val="D4D4D4"/>
+              </a:solidFill>
+              <a:effectLst/>
+              <a:latin typeface="Consolas" panose="020B0609020204030204" pitchFamily="49" charset="0"/>
+            </a:endParaRPr>
+          </a:p>
+          <a:p>
+            <a:endParaRPr lang="en-US" altLang="zh-CN" b="0" dirty="0">
+              <a:solidFill>
+                <a:srgbClr val="D4D4D4"/>
+              </a:solidFill>
+              <a:effectLst/>
+              <a:latin typeface="Consolas" panose="020B0609020204030204" pitchFamily="49" charset="0"/>
+            </a:endParaRPr>
+          </a:p>
+          <a:p>
+            <a:endParaRPr lang="en-US" altLang="zh-CN" b="0" dirty="0">
+              <a:solidFill>
+                <a:srgbClr val="D4D4D4"/>
+              </a:solidFill>
+              <a:effectLst/>
+              <a:latin typeface="Consolas" panose="020B0609020204030204" pitchFamily="49" charset="0"/>
+            </a:endParaRPr>
+          </a:p>
+          <a:p>
+            <a:endParaRPr lang="en-US" altLang="zh-CN" b="0" dirty="0">
+              <a:solidFill>
+                <a:srgbClr val="D4D4D4"/>
+              </a:solidFill>
+              <a:effectLst/>
+              <a:latin typeface="Consolas" panose="020B0609020204030204" pitchFamily="49" charset="0"/>
+            </a:endParaRPr>
+          </a:p>
+          <a:p>
+            <a:endParaRPr lang="en-US" altLang="zh-CN" b="0" dirty="0">
+              <a:solidFill>
+                <a:srgbClr val="D4D4D4"/>
+              </a:solidFill>
+              <a:effectLst/>
+              <a:latin typeface="Consolas" panose="020B0609020204030204" pitchFamily="49" charset="0"/>
+            </a:endParaRPr>
+          </a:p>
+          <a:p>
+            <a:endParaRPr lang="zh-CN" altLang="en-US" dirty="0"/>
+          </a:p>
+        </p:txBody>
+      </p:sp>
+    </p:spTree>
+    <p:extLst>
+      <p:ext uri="{BB962C8B-B14F-4D97-AF65-F5344CB8AC3E}">
+        <p14:creationId xmlns:p14="http://schemas.microsoft.com/office/powerpoint/2010/main" val="2645886099"/>
       </p:ext>
     </p:extLst>
   </p:cSld>

--- a/web/dota/dota @moddota dota-lua-types学习笔记.pptx
+++ b/web/dota/dota @moddota dota-lua-types学习笔记.pptx
@@ -14,6 +14,8 @@
     <p:sldId id="262" r:id="rId8"/>
     <p:sldId id="263" r:id="rId9"/>
     <p:sldId id="258" r:id="rId10"/>
+    <p:sldId id="265" r:id="rId11"/>
+    <p:sldId id="266" r:id="rId12"/>
   </p:sldIdLst>
   <p:sldSz cx="12192000" cy="6858000"/>
   <p:notesSz cx="6858000" cy="9144000"/>
@@ -267,7 +269,7 @@
           <a:p>
             <a:fld id="{11417D39-F9CB-424D-A1F0-64EAC47930C8}" type="datetimeFigureOut">
               <a:rPr lang="zh-CN" altLang="en-US" smtClean="0"/>
-              <a:t>2023/2/11</a:t>
+              <a:t>2023/2/27</a:t>
             </a:fld>
             <a:endParaRPr lang="zh-CN" altLang="en-US"/>
           </a:p>
@@ -465,7 +467,7 @@
           <a:p>
             <a:fld id="{11417D39-F9CB-424D-A1F0-64EAC47930C8}" type="datetimeFigureOut">
               <a:rPr lang="zh-CN" altLang="en-US" smtClean="0"/>
-              <a:t>2023/2/11</a:t>
+              <a:t>2023/2/27</a:t>
             </a:fld>
             <a:endParaRPr lang="zh-CN" altLang="en-US"/>
           </a:p>
@@ -673,7 +675,7 @@
           <a:p>
             <a:fld id="{11417D39-F9CB-424D-A1F0-64EAC47930C8}" type="datetimeFigureOut">
               <a:rPr lang="zh-CN" altLang="en-US" smtClean="0"/>
-              <a:t>2023/2/11</a:t>
+              <a:t>2023/2/27</a:t>
             </a:fld>
             <a:endParaRPr lang="zh-CN" altLang="en-US"/>
           </a:p>
@@ -871,7 +873,7 @@
           <a:p>
             <a:fld id="{11417D39-F9CB-424D-A1F0-64EAC47930C8}" type="datetimeFigureOut">
               <a:rPr lang="zh-CN" altLang="en-US" smtClean="0"/>
-              <a:t>2023/2/11</a:t>
+              <a:t>2023/2/27</a:t>
             </a:fld>
             <a:endParaRPr lang="zh-CN" altLang="en-US"/>
           </a:p>
@@ -1146,7 +1148,7 @@
           <a:p>
             <a:fld id="{11417D39-F9CB-424D-A1F0-64EAC47930C8}" type="datetimeFigureOut">
               <a:rPr lang="zh-CN" altLang="en-US" smtClean="0"/>
-              <a:t>2023/2/11</a:t>
+              <a:t>2023/2/27</a:t>
             </a:fld>
             <a:endParaRPr lang="zh-CN" altLang="en-US"/>
           </a:p>
@@ -1411,7 +1413,7 @@
           <a:p>
             <a:fld id="{11417D39-F9CB-424D-A1F0-64EAC47930C8}" type="datetimeFigureOut">
               <a:rPr lang="zh-CN" altLang="en-US" smtClean="0"/>
-              <a:t>2023/2/11</a:t>
+              <a:t>2023/2/27</a:t>
             </a:fld>
             <a:endParaRPr lang="zh-CN" altLang="en-US"/>
           </a:p>
@@ -1823,7 +1825,7 @@
           <a:p>
             <a:fld id="{11417D39-F9CB-424D-A1F0-64EAC47930C8}" type="datetimeFigureOut">
               <a:rPr lang="zh-CN" altLang="en-US" smtClean="0"/>
-              <a:t>2023/2/11</a:t>
+              <a:t>2023/2/27</a:t>
             </a:fld>
             <a:endParaRPr lang="zh-CN" altLang="en-US"/>
           </a:p>
@@ -1964,7 +1966,7 @@
           <a:p>
             <a:fld id="{11417D39-F9CB-424D-A1F0-64EAC47930C8}" type="datetimeFigureOut">
               <a:rPr lang="zh-CN" altLang="en-US" smtClean="0"/>
-              <a:t>2023/2/11</a:t>
+              <a:t>2023/2/27</a:t>
             </a:fld>
             <a:endParaRPr lang="zh-CN" altLang="en-US"/>
           </a:p>
@@ -2077,7 +2079,7 @@
           <a:p>
             <a:fld id="{11417D39-F9CB-424D-A1F0-64EAC47930C8}" type="datetimeFigureOut">
               <a:rPr lang="zh-CN" altLang="en-US" smtClean="0"/>
-              <a:t>2023/2/11</a:t>
+              <a:t>2023/2/27</a:t>
             </a:fld>
             <a:endParaRPr lang="zh-CN" altLang="en-US"/>
           </a:p>
@@ -2388,7 +2390,7 @@
           <a:p>
             <a:fld id="{11417D39-F9CB-424D-A1F0-64EAC47930C8}" type="datetimeFigureOut">
               <a:rPr lang="zh-CN" altLang="en-US" smtClean="0"/>
-              <a:t>2023/2/11</a:t>
+              <a:t>2023/2/27</a:t>
             </a:fld>
             <a:endParaRPr lang="zh-CN" altLang="en-US"/>
           </a:p>
@@ -2676,7 +2678,7 @@
           <a:p>
             <a:fld id="{11417D39-F9CB-424D-A1F0-64EAC47930C8}" type="datetimeFigureOut">
               <a:rPr lang="zh-CN" altLang="en-US" smtClean="0"/>
-              <a:t>2023/2/11</a:t>
+              <a:t>2023/2/27</a:t>
             </a:fld>
             <a:endParaRPr lang="zh-CN" altLang="en-US"/>
           </a:p>
@@ -2917,7 +2919,7 @@
           <a:p>
             <a:fld id="{11417D39-F9CB-424D-A1F0-64EAC47930C8}" type="datetimeFigureOut">
               <a:rPr lang="zh-CN" altLang="en-US" smtClean="0"/>
-              <a:t>2023/2/11</a:t>
+              <a:t>2023/2/27</a:t>
             </a:fld>
             <a:endParaRPr lang="zh-CN" altLang="en-US"/>
           </a:p>
@@ -3428,6 +3430,458 @@
 </p:sld>
 </file>
 
+<file path=ppt/slides/slide10.xml><?xml version="1.0" encoding="utf-8"?>
+<p:sld xmlns:a="http://schemas.openxmlformats.org/drawingml/2006/main" xmlns:r="http://schemas.openxmlformats.org/officeDocument/2006/relationships" xmlns:p="http://schemas.openxmlformats.org/presentationml/2006/main">
+  <p:cSld>
+    <p:spTree>
+      <p:nvGrpSpPr>
+        <p:cNvPr id="1" name=""/>
+        <p:cNvGrpSpPr/>
+        <p:nvPr/>
+      </p:nvGrpSpPr>
+      <p:grpSpPr>
+        <a:xfrm>
+          <a:off x="0" y="0"/>
+          <a:ext cx="0" cy="0"/>
+          <a:chOff x="0" y="0"/>
+          <a:chExt cx="0" cy="0"/>
+        </a:xfrm>
+      </p:grpSpPr>
+      <p:sp>
+        <p:nvSpPr>
+          <p:cNvPr id="2" name="标题 1">
+            <a:extLst>
+              <a:ext uri="{FF2B5EF4-FFF2-40B4-BE49-F238E27FC236}">
+                <a16:creationId xmlns:a16="http://schemas.microsoft.com/office/drawing/2014/main" id="{366B33F6-029D-5BD8-D69C-9EF70F90CEA5}"/>
+              </a:ext>
+            </a:extLst>
+          </p:cNvPr>
+          <p:cNvSpPr>
+            <a:spLocks noGrp="1"/>
+          </p:cNvSpPr>
+          <p:nvPr>
+            <p:ph type="title"/>
+          </p:nvPr>
+        </p:nvSpPr>
+        <p:spPr>
+          <a:xfrm>
+            <a:off x="838200" y="365125"/>
+            <a:ext cx="10515600" cy="650875"/>
+          </a:xfrm>
+        </p:spPr>
+        <p:txBody>
+          <a:bodyPr>
+            <a:normAutofit fontScale="90000"/>
+          </a:bodyPr>
+          <a:lstStyle/>
+          <a:p>
+            <a:r>
+              <a:rPr lang="zh-CN" altLang="en-US" dirty="0"/>
+              <a:t>游戏组成元素</a:t>
+            </a:r>
+          </a:p>
+        </p:txBody>
+      </p:sp>
+      <p:sp>
+        <p:nvSpPr>
+          <p:cNvPr id="3" name="内容占位符 2">
+            <a:extLst>
+              <a:ext uri="{FF2B5EF4-FFF2-40B4-BE49-F238E27FC236}">
+                <a16:creationId xmlns:a16="http://schemas.microsoft.com/office/drawing/2014/main" id="{EF129B16-9516-032E-E359-338B59A0B51F}"/>
+              </a:ext>
+            </a:extLst>
+          </p:cNvPr>
+          <p:cNvSpPr>
+            <a:spLocks noGrp="1"/>
+          </p:cNvSpPr>
+          <p:nvPr>
+            <p:ph idx="1"/>
+          </p:nvPr>
+        </p:nvSpPr>
+        <p:spPr>
+          <a:xfrm>
+            <a:off x="838200" y="1016000"/>
+            <a:ext cx="10515600" cy="5613400"/>
+          </a:xfrm>
+        </p:spPr>
+        <p:txBody>
+          <a:bodyPr>
+            <a:normAutofit fontScale="40000" lnSpcReduction="20000"/>
+          </a:bodyPr>
+          <a:lstStyle/>
+          <a:p>
+            <a:r>
+              <a:rPr lang="en-US" altLang="zh-CN" dirty="0"/>
+              <a:t>Player: </a:t>
+            </a:r>
+            <a:r>
+              <a:rPr lang="zh-CN" altLang="en-US" dirty="0"/>
+              <a:t>玩家</a:t>
+            </a:r>
+            <a:endParaRPr lang="en-US" altLang="zh-CN" dirty="0"/>
+          </a:p>
+          <a:p>
+            <a:r>
+              <a:rPr lang="en-US" altLang="zh-CN" dirty="0" err="1"/>
+              <a:t>Npc</a:t>
+            </a:r>
+            <a:r>
+              <a:rPr lang="en-US" altLang="zh-CN" dirty="0"/>
+              <a:t>: </a:t>
+            </a:r>
+            <a:r>
+              <a:rPr lang="zh-CN" altLang="en-US" dirty="0"/>
+              <a:t>角色</a:t>
+            </a:r>
+            <a:endParaRPr lang="en-US" altLang="zh-CN" dirty="0"/>
+          </a:p>
+          <a:p>
+            <a:r>
+              <a:rPr lang="en-US" altLang="zh-CN" dirty="0" err="1"/>
+              <a:t>MapTree</a:t>
+            </a:r>
+            <a:r>
+              <a:rPr lang="en-US" altLang="zh-CN" dirty="0"/>
+              <a:t>: </a:t>
+            </a:r>
+            <a:r>
+              <a:rPr lang="zh-CN" altLang="en-US" dirty="0"/>
+              <a:t>树</a:t>
+            </a:r>
+            <a:endParaRPr lang="en-US" altLang="zh-CN" dirty="0"/>
+          </a:p>
+          <a:p>
+            <a:r>
+              <a:rPr lang="en-US" altLang="zh-CN" dirty="0"/>
+              <a:t>Ability: </a:t>
+            </a:r>
+            <a:r>
+              <a:rPr lang="zh-CN" altLang="en-US" dirty="0"/>
+              <a:t>技能</a:t>
+            </a:r>
+            <a:endParaRPr lang="en-US" altLang="zh-CN" dirty="0"/>
+          </a:p>
+          <a:p>
+            <a:r>
+              <a:rPr lang="en-US" altLang="zh-CN" dirty="0"/>
+              <a:t>Item: </a:t>
+            </a:r>
+            <a:r>
+              <a:rPr lang="zh-CN" altLang="en-US" dirty="0"/>
+              <a:t>物品</a:t>
+            </a:r>
+            <a:endParaRPr lang="en-US" altLang="zh-CN" dirty="0"/>
+          </a:p>
+          <a:p>
+            <a:r>
+              <a:rPr lang="en-US" altLang="zh-CN" dirty="0"/>
+              <a:t>Modifier: </a:t>
+            </a:r>
+            <a:r>
+              <a:rPr lang="zh-CN" altLang="en-US" dirty="0"/>
+              <a:t>修改器</a:t>
+            </a:r>
+            <a:endParaRPr lang="en-US" altLang="zh-CN" dirty="0"/>
+          </a:p>
+          <a:p>
+            <a:r>
+              <a:rPr lang="en-US" altLang="zh-CN" dirty="0"/>
+              <a:t>Buff: </a:t>
+            </a:r>
+          </a:p>
+          <a:p>
+            <a:r>
+              <a:rPr lang="en-US" altLang="zh-CN" dirty="0"/>
+              <a:t>Rune: </a:t>
+            </a:r>
+            <a:r>
+              <a:rPr lang="zh-CN" altLang="en-US" dirty="0"/>
+              <a:t>光环</a:t>
+            </a:r>
+            <a:endParaRPr lang="en-US" altLang="zh-CN" dirty="0"/>
+          </a:p>
+          <a:p>
+            <a:r>
+              <a:rPr lang="en-US" altLang="zh-CN" dirty="0"/>
+              <a:t>Trigger: </a:t>
+            </a:r>
+            <a:r>
+              <a:rPr lang="zh-CN" altLang="en-US" dirty="0"/>
+              <a:t>触发器</a:t>
+            </a:r>
+            <a:endParaRPr lang="en-US" altLang="zh-CN" dirty="0"/>
+          </a:p>
+          <a:p>
+            <a:r>
+              <a:rPr lang="en-US" altLang="zh-CN" dirty="0" err="1"/>
+              <a:t>GridNav</a:t>
+            </a:r>
+            <a:r>
+              <a:rPr lang="en-US" altLang="zh-CN" dirty="0"/>
+              <a:t>:</a:t>
+            </a:r>
+            <a:r>
+              <a:rPr lang="zh-CN" altLang="en-US" dirty="0"/>
+              <a:t> 地形 寻路</a:t>
+            </a:r>
+            <a:endParaRPr lang="en-US" altLang="zh-CN" dirty="0"/>
+          </a:p>
+          <a:p>
+            <a:r>
+              <a:rPr lang="en-US" altLang="zh-CN" dirty="0"/>
+              <a:t>Scene: </a:t>
+            </a:r>
+            <a:r>
+              <a:rPr lang="zh-CN" altLang="en-US" dirty="0"/>
+              <a:t>场景</a:t>
+            </a:r>
+            <a:endParaRPr lang="en-US" altLang="zh-CN" dirty="0"/>
+          </a:p>
+          <a:p>
+            <a:endParaRPr lang="en-US" altLang="zh-CN" dirty="0"/>
+          </a:p>
+          <a:p>
+            <a:r>
+              <a:rPr lang="en-US" altLang="zh-CN" dirty="0" err="1"/>
+              <a:t>ProjectileManager</a:t>
+            </a:r>
+            <a:r>
+              <a:rPr lang="en-US" altLang="zh-CN" dirty="0"/>
+              <a:t>: </a:t>
+            </a:r>
+            <a:r>
+              <a:rPr lang="zh-CN" altLang="en-US" dirty="0"/>
+              <a:t>投射物</a:t>
+            </a:r>
+            <a:endParaRPr lang="en-US" altLang="zh-CN" dirty="0"/>
+          </a:p>
+          <a:p>
+            <a:r>
+              <a:rPr lang="en-US" altLang="zh-CN" dirty="0"/>
+              <a:t>Sound: </a:t>
+            </a:r>
+            <a:r>
+              <a:rPr lang="zh-CN" altLang="en-US" dirty="0"/>
+              <a:t>声音</a:t>
+            </a:r>
+            <a:endParaRPr lang="en-US" altLang="zh-CN" dirty="0"/>
+          </a:p>
+          <a:p>
+            <a:r>
+              <a:rPr lang="en-US" altLang="zh-CN" dirty="0"/>
+              <a:t>Model/Animation: </a:t>
+            </a:r>
+            <a:r>
+              <a:rPr lang="zh-CN" altLang="en-US" dirty="0"/>
+              <a:t>模型</a:t>
+            </a:r>
+            <a:r>
+              <a:rPr lang="en-US" altLang="zh-CN" dirty="0"/>
+              <a:t>/</a:t>
+            </a:r>
+            <a:r>
+              <a:rPr lang="zh-CN" altLang="en-US" dirty="0"/>
+              <a:t>动画</a:t>
+            </a:r>
+            <a:endParaRPr lang="en-US" altLang="zh-CN" dirty="0"/>
+          </a:p>
+          <a:p>
+            <a:endParaRPr lang="en-US" altLang="zh-CN" dirty="0"/>
+          </a:p>
+          <a:p>
+            <a:r>
+              <a:rPr lang="en-US" altLang="zh-CN" dirty="0"/>
+              <a:t>Shop: </a:t>
+            </a:r>
+            <a:r>
+              <a:rPr lang="zh-CN" altLang="en-US" dirty="0"/>
+              <a:t>商城</a:t>
+            </a:r>
+            <a:endParaRPr lang="en-US" altLang="zh-CN" dirty="0"/>
+          </a:p>
+          <a:p>
+            <a:endParaRPr lang="en-US" altLang="zh-CN" dirty="0"/>
+          </a:p>
+          <a:p>
+            <a:r>
+              <a:rPr lang="en-US" altLang="zh-CN" dirty="0" err="1"/>
+              <a:t>GameMode</a:t>
+            </a:r>
+            <a:r>
+              <a:rPr lang="en-US" altLang="zh-CN" dirty="0"/>
+              <a:t>: </a:t>
+            </a:r>
+            <a:r>
+              <a:rPr lang="zh-CN" altLang="en-US" dirty="0"/>
+              <a:t>游戏模式</a:t>
+            </a:r>
+            <a:endParaRPr lang="en-US" altLang="zh-CN" dirty="0"/>
+          </a:p>
+          <a:p>
+            <a:r>
+              <a:rPr lang="en-US" altLang="zh-CN" dirty="0" err="1"/>
+              <a:t>GameRules</a:t>
+            </a:r>
+            <a:r>
+              <a:rPr lang="en-US" altLang="zh-CN" dirty="0"/>
+              <a:t>: </a:t>
+            </a:r>
+            <a:r>
+              <a:rPr lang="zh-CN" altLang="en-US" dirty="0"/>
+              <a:t>游戏规则</a:t>
+            </a:r>
+            <a:endParaRPr lang="en-US" altLang="zh-CN" dirty="0"/>
+          </a:p>
+          <a:p>
+            <a:endParaRPr lang="en-US" altLang="zh-CN" dirty="0"/>
+          </a:p>
+          <a:p>
+            <a:r>
+              <a:rPr lang="en-US" altLang="zh-CN" dirty="0"/>
+              <a:t>Console: </a:t>
+            </a:r>
+            <a:r>
+              <a:rPr lang="zh-CN" altLang="en-US" dirty="0"/>
+              <a:t>控制台</a:t>
+            </a:r>
+            <a:endParaRPr lang="en-US" altLang="zh-CN" dirty="0"/>
+          </a:p>
+          <a:p>
+            <a:r>
+              <a:rPr lang="en-US" altLang="zh-CN" dirty="0"/>
+              <a:t>Debug: </a:t>
+            </a:r>
+            <a:r>
+              <a:rPr lang="zh-CN" altLang="en-US" dirty="0"/>
+              <a:t>调试工具</a:t>
+            </a:r>
+            <a:endParaRPr lang="en-US" altLang="zh-CN" dirty="0"/>
+          </a:p>
+          <a:p>
+            <a:endParaRPr lang="zh-CN" altLang="en-US" dirty="0"/>
+          </a:p>
+        </p:txBody>
+      </p:sp>
+    </p:spTree>
+    <p:extLst>
+      <p:ext uri="{BB962C8B-B14F-4D97-AF65-F5344CB8AC3E}">
+        <p14:creationId xmlns:p14="http://schemas.microsoft.com/office/powerpoint/2010/main" val="454681768"/>
+      </p:ext>
+    </p:extLst>
+  </p:cSld>
+  <p:clrMapOvr>
+    <a:masterClrMapping/>
+  </p:clrMapOvr>
+</p:sld>
+</file>
+
+<file path=ppt/slides/slide11.xml><?xml version="1.0" encoding="utf-8"?>
+<p:sld xmlns:a="http://schemas.openxmlformats.org/drawingml/2006/main" xmlns:r="http://schemas.openxmlformats.org/officeDocument/2006/relationships" xmlns:p="http://schemas.openxmlformats.org/presentationml/2006/main">
+  <p:cSld>
+    <p:spTree>
+      <p:nvGrpSpPr>
+        <p:cNvPr id="1" name=""/>
+        <p:cNvGrpSpPr/>
+        <p:nvPr/>
+      </p:nvGrpSpPr>
+      <p:grpSpPr>
+        <a:xfrm>
+          <a:off x="0" y="0"/>
+          <a:ext cx="0" cy="0"/>
+          <a:chOff x="0" y="0"/>
+          <a:chExt cx="0" cy="0"/>
+        </a:xfrm>
+      </p:grpSpPr>
+      <p:sp>
+        <p:nvSpPr>
+          <p:cNvPr id="2" name="标题 1">
+            <a:extLst>
+              <a:ext uri="{FF2B5EF4-FFF2-40B4-BE49-F238E27FC236}">
+                <a16:creationId xmlns:a16="http://schemas.microsoft.com/office/drawing/2014/main" id="{B8D8B7A3-D50F-81C1-00B4-A00FE1BAF55F}"/>
+              </a:ext>
+            </a:extLst>
+          </p:cNvPr>
+          <p:cNvSpPr>
+            <a:spLocks noGrp="1"/>
+          </p:cNvSpPr>
+          <p:nvPr>
+            <p:ph type="title"/>
+          </p:nvPr>
+        </p:nvSpPr>
+        <p:spPr/>
+        <p:txBody>
+          <a:bodyPr/>
+          <a:lstStyle/>
+          <a:p>
+            <a:r>
+              <a:rPr lang="zh-CN" altLang="en-US" dirty="0"/>
+              <a:t>物品系统</a:t>
+            </a:r>
+          </a:p>
+        </p:txBody>
+      </p:sp>
+      <p:sp>
+        <p:nvSpPr>
+          <p:cNvPr id="3" name="内容占位符 2">
+            <a:extLst>
+              <a:ext uri="{FF2B5EF4-FFF2-40B4-BE49-F238E27FC236}">
+                <a16:creationId xmlns:a16="http://schemas.microsoft.com/office/drawing/2014/main" id="{1C17560C-3266-A3C6-9279-94FAD41C0668}"/>
+              </a:ext>
+            </a:extLst>
+          </p:cNvPr>
+          <p:cNvSpPr>
+            <a:spLocks noGrp="1"/>
+          </p:cNvSpPr>
+          <p:nvPr>
+            <p:ph idx="1"/>
+          </p:nvPr>
+        </p:nvSpPr>
+        <p:spPr/>
+        <p:txBody>
+          <a:bodyPr/>
+          <a:lstStyle/>
+          <a:p>
+            <a:r>
+              <a:rPr lang="zh-CN" altLang="en-US" dirty="0"/>
+              <a:t>基础物品</a:t>
+            </a:r>
+            <a:endParaRPr lang="en-US" altLang="zh-CN" dirty="0"/>
+          </a:p>
+          <a:p>
+            <a:r>
+              <a:rPr lang="zh-CN" altLang="en-US" dirty="0"/>
+              <a:t>复合物品</a:t>
+            </a:r>
+            <a:endParaRPr lang="en-US" altLang="zh-CN" dirty="0"/>
+          </a:p>
+          <a:p>
+            <a:r>
+              <a:rPr lang="zh-CN" altLang="en-US" dirty="0"/>
+              <a:t>物品合成</a:t>
+            </a:r>
+            <a:endParaRPr lang="en-US" altLang="zh-CN" dirty="0"/>
+          </a:p>
+          <a:p>
+            <a:pPr marL="0" indent="0">
+              <a:buNone/>
+            </a:pPr>
+            <a:endParaRPr lang="zh-CN" altLang="en-US" dirty="0"/>
+          </a:p>
+        </p:txBody>
+      </p:sp>
+    </p:spTree>
+    <p:extLst>
+      <p:ext uri="{BB962C8B-B14F-4D97-AF65-F5344CB8AC3E}">
+        <p14:creationId xmlns:p14="http://schemas.microsoft.com/office/powerpoint/2010/main" val="3224529098"/>
+      </p:ext>
+    </p:extLst>
+  </p:cSld>
+  <p:clrMapOvr>
+    <a:masterClrMapping/>
+  </p:clrMapOvr>
+</p:sld>
+</file>
+
 <file path=ppt/slides/slide2.xml><?xml version="1.0" encoding="utf-8"?>
 <p:sld xmlns:a="http://schemas.openxmlformats.org/drawingml/2006/main" xmlns:r="http://schemas.openxmlformats.org/officeDocument/2006/relationships" xmlns:p="http://schemas.openxmlformats.org/presentationml/2006/main">
   <p:cSld>

--- a/web/dota/dota @moddota dota-lua-types学习笔记.pptx
+++ b/web/dota/dota @moddota dota-lua-types学习笔记.pptx
@@ -16,6 +16,7 @@
     <p:sldId id="258" r:id="rId10"/>
     <p:sldId id="265" r:id="rId11"/>
     <p:sldId id="266" r:id="rId12"/>
+    <p:sldId id="267" r:id="rId13"/>
   </p:sldIdLst>
   <p:sldSz cx="12192000" cy="6858000"/>
   <p:notesSz cx="6858000" cy="9144000"/>
@@ -3882,6 +3883,129 @@
 </p:sld>
 </file>
 
+<file path=ppt/slides/slide12.xml><?xml version="1.0" encoding="utf-8"?>
+<p:sld xmlns:a="http://schemas.openxmlformats.org/drawingml/2006/main" xmlns:r="http://schemas.openxmlformats.org/officeDocument/2006/relationships" xmlns:p="http://schemas.openxmlformats.org/presentationml/2006/main">
+  <p:cSld>
+    <p:spTree>
+      <p:nvGrpSpPr>
+        <p:cNvPr id="1" name=""/>
+        <p:cNvGrpSpPr/>
+        <p:nvPr/>
+      </p:nvGrpSpPr>
+      <p:grpSpPr>
+        <a:xfrm>
+          <a:off x="0" y="0"/>
+          <a:ext cx="0" cy="0"/>
+          <a:chOff x="0" y="0"/>
+          <a:chExt cx="0" cy="0"/>
+        </a:xfrm>
+      </p:grpSpPr>
+      <p:sp>
+        <p:nvSpPr>
+          <p:cNvPr id="2" name="标题 1">
+            <a:extLst>
+              <a:ext uri="{FF2B5EF4-FFF2-40B4-BE49-F238E27FC236}">
+                <a16:creationId xmlns:a16="http://schemas.microsoft.com/office/drawing/2014/main" id="{4DB159E4-C691-1ABD-E172-41F2F6FFFF67}"/>
+              </a:ext>
+            </a:extLst>
+          </p:cNvPr>
+          <p:cNvSpPr>
+            <a:spLocks noGrp="1"/>
+          </p:cNvSpPr>
+          <p:nvPr>
+            <p:ph type="title"/>
+          </p:nvPr>
+        </p:nvSpPr>
+        <p:spPr/>
+        <p:txBody>
+          <a:bodyPr/>
+          <a:lstStyle/>
+          <a:p>
+            <a:r>
+              <a:rPr lang="zh-CN" altLang="en-US" dirty="0"/>
+              <a:t>玩家连接</a:t>
+            </a:r>
+          </a:p>
+        </p:txBody>
+      </p:sp>
+      <p:sp>
+        <p:nvSpPr>
+          <p:cNvPr id="3" name="内容占位符 2">
+            <a:extLst>
+              <a:ext uri="{FF2B5EF4-FFF2-40B4-BE49-F238E27FC236}">
+                <a16:creationId xmlns:a16="http://schemas.microsoft.com/office/drawing/2014/main" id="{8B0F6213-F991-7D77-CE57-407F90ACDA8C}"/>
+              </a:ext>
+            </a:extLst>
+          </p:cNvPr>
+          <p:cNvSpPr>
+            <a:spLocks noGrp="1"/>
+          </p:cNvSpPr>
+          <p:nvPr>
+            <p:ph idx="1"/>
+          </p:nvPr>
+        </p:nvSpPr>
+        <p:spPr/>
+        <p:txBody>
+          <a:bodyPr/>
+          <a:lstStyle/>
+          <a:p>
+            <a:r>
+              <a:rPr lang="en-US" altLang="zh-CN" b="1" i="0" dirty="0" err="1">
+                <a:solidFill>
+                  <a:srgbClr val="B9B7B5"/>
+                </a:solidFill>
+                <a:effectLst/>
+                <a:latin typeface="Arial" panose="020B0604020202020204" pitchFamily="34" charset="0"/>
+              </a:rPr>
+              <a:t>player_reconnected</a:t>
+            </a:r>
+            <a:r>
+              <a:rPr lang="en-US" altLang="zh-CN" b="1" i="0" dirty="0">
+                <a:solidFill>
+                  <a:srgbClr val="B9B7B5"/>
+                </a:solidFill>
+                <a:effectLst/>
+                <a:latin typeface="Arial" panose="020B0604020202020204" pitchFamily="34" charset="0"/>
+              </a:rPr>
+              <a:t> </a:t>
+            </a:r>
+            <a:r>
+              <a:rPr lang="zh-CN" altLang="en-US" b="1" i="0" dirty="0">
+                <a:solidFill>
+                  <a:srgbClr val="B9B7B5"/>
+                </a:solidFill>
+                <a:effectLst/>
+                <a:latin typeface="Arial" panose="020B0604020202020204" pitchFamily="34" charset="0"/>
+              </a:rPr>
+              <a:t>：</a:t>
+            </a:r>
+            <a:r>
+              <a:rPr lang="zh-CN" altLang="en-US" b="0" i="0" dirty="0">
+                <a:solidFill>
+                  <a:srgbClr val="B9B7B5"/>
+                </a:solidFill>
+                <a:effectLst/>
+                <a:latin typeface="Arial" panose="020B0604020202020204" pitchFamily="34" charset="0"/>
+              </a:rPr>
+              <a:t>玩家重连进游戏</a:t>
+            </a:r>
+            <a:endParaRPr lang="zh-CN" altLang="en-US" dirty="0"/>
+          </a:p>
+        </p:txBody>
+      </p:sp>
+    </p:spTree>
+    <p:extLst>
+      <p:ext uri="{BB962C8B-B14F-4D97-AF65-F5344CB8AC3E}">
+        <p14:creationId xmlns:p14="http://schemas.microsoft.com/office/powerpoint/2010/main" val="2348307153"/>
+      </p:ext>
+    </p:extLst>
+  </p:cSld>
+  <p:clrMapOvr>
+    <a:masterClrMapping/>
+  </p:clrMapOvr>
+</p:sld>
+</file>
+
 <file path=ppt/slides/slide2.xml><?xml version="1.0" encoding="utf-8"?>
 <p:sld xmlns:a="http://schemas.openxmlformats.org/drawingml/2006/main" xmlns:r="http://schemas.openxmlformats.org/officeDocument/2006/relationships" xmlns:p="http://schemas.openxmlformats.org/presentationml/2006/main">
   <p:cSld>
